--- a/docs/Documentation drawings.pptx
+++ b/docs/Documentation drawings.pptx
@@ -7,6 +7,7 @@
   <p:sldIdLst>
     <p:sldId id="256" r:id="rId2"/>
     <p:sldId id="257" r:id="rId3"/>
+    <p:sldId id="258" r:id="rId4"/>
   </p:sldIdLst>
   <p:sldSz cx="12192000" cy="6858000"/>
   <p:notesSz cx="6858000" cy="9144000"/>
@@ -260,7 +261,7 @@
           <a:p>
             <a:fld id="{ED3EB55B-5F2F-4CC1-A16F-78A1F8C5C611}" type="datetimeFigureOut">
               <a:rPr lang="en-US" smtClean="0"/>
-              <a:t>4/21/2020</a:t>
+              <a:t>5/20/2020</a:t>
             </a:fld>
             <a:endParaRPr lang="en-US"/>
           </a:p>
@@ -458,7 +459,7 @@
           <a:p>
             <a:fld id="{ED3EB55B-5F2F-4CC1-A16F-78A1F8C5C611}" type="datetimeFigureOut">
               <a:rPr lang="en-US" smtClean="0"/>
-              <a:t>4/21/2020</a:t>
+              <a:t>5/20/2020</a:t>
             </a:fld>
             <a:endParaRPr lang="en-US"/>
           </a:p>
@@ -666,7 +667,7 @@
           <a:p>
             <a:fld id="{ED3EB55B-5F2F-4CC1-A16F-78A1F8C5C611}" type="datetimeFigureOut">
               <a:rPr lang="en-US" smtClean="0"/>
-              <a:t>4/21/2020</a:t>
+              <a:t>5/20/2020</a:t>
             </a:fld>
             <a:endParaRPr lang="en-US"/>
           </a:p>
@@ -864,7 +865,7 @@
           <a:p>
             <a:fld id="{ED3EB55B-5F2F-4CC1-A16F-78A1F8C5C611}" type="datetimeFigureOut">
               <a:rPr lang="en-US" smtClean="0"/>
-              <a:t>4/21/2020</a:t>
+              <a:t>5/20/2020</a:t>
             </a:fld>
             <a:endParaRPr lang="en-US"/>
           </a:p>
@@ -1139,7 +1140,7 @@
           <a:p>
             <a:fld id="{ED3EB55B-5F2F-4CC1-A16F-78A1F8C5C611}" type="datetimeFigureOut">
               <a:rPr lang="en-US" smtClean="0"/>
-              <a:t>4/21/2020</a:t>
+              <a:t>5/20/2020</a:t>
             </a:fld>
             <a:endParaRPr lang="en-US"/>
           </a:p>
@@ -1404,7 +1405,7 @@
           <a:p>
             <a:fld id="{ED3EB55B-5F2F-4CC1-A16F-78A1F8C5C611}" type="datetimeFigureOut">
               <a:rPr lang="en-US" smtClean="0"/>
-              <a:t>4/21/2020</a:t>
+              <a:t>5/20/2020</a:t>
             </a:fld>
             <a:endParaRPr lang="en-US"/>
           </a:p>
@@ -1816,7 +1817,7 @@
           <a:p>
             <a:fld id="{ED3EB55B-5F2F-4CC1-A16F-78A1F8C5C611}" type="datetimeFigureOut">
               <a:rPr lang="en-US" smtClean="0"/>
-              <a:t>4/21/2020</a:t>
+              <a:t>5/20/2020</a:t>
             </a:fld>
             <a:endParaRPr lang="en-US"/>
           </a:p>
@@ -1957,7 +1958,7 @@
           <a:p>
             <a:fld id="{ED3EB55B-5F2F-4CC1-A16F-78A1F8C5C611}" type="datetimeFigureOut">
               <a:rPr lang="en-US" smtClean="0"/>
-              <a:t>4/21/2020</a:t>
+              <a:t>5/20/2020</a:t>
             </a:fld>
             <a:endParaRPr lang="en-US"/>
           </a:p>
@@ -2070,7 +2071,7 @@
           <a:p>
             <a:fld id="{ED3EB55B-5F2F-4CC1-A16F-78A1F8C5C611}" type="datetimeFigureOut">
               <a:rPr lang="en-US" smtClean="0"/>
-              <a:t>4/21/2020</a:t>
+              <a:t>5/20/2020</a:t>
             </a:fld>
             <a:endParaRPr lang="en-US"/>
           </a:p>
@@ -2381,7 +2382,7 @@
           <a:p>
             <a:fld id="{ED3EB55B-5F2F-4CC1-A16F-78A1F8C5C611}" type="datetimeFigureOut">
               <a:rPr lang="en-US" smtClean="0"/>
-              <a:t>4/21/2020</a:t>
+              <a:t>5/20/2020</a:t>
             </a:fld>
             <a:endParaRPr lang="en-US"/>
           </a:p>
@@ -2669,7 +2670,7 @@
           <a:p>
             <a:fld id="{ED3EB55B-5F2F-4CC1-A16F-78A1F8C5C611}" type="datetimeFigureOut">
               <a:rPr lang="en-US" smtClean="0"/>
-              <a:t>4/21/2020</a:t>
+              <a:t>5/20/2020</a:t>
             </a:fld>
             <a:endParaRPr lang="en-US"/>
           </a:p>
@@ -2910,7 +2911,7 @@
           <a:p>
             <a:fld id="{ED3EB55B-5F2F-4CC1-A16F-78A1F8C5C611}" type="datetimeFigureOut">
               <a:rPr lang="en-US" smtClean="0"/>
-              <a:t>4/21/2020</a:t>
+              <a:t>5/20/2020</a:t>
             </a:fld>
             <a:endParaRPr lang="en-US"/>
           </a:p>
@@ -5214,6 +5215,2874 @@
 </p:sld>
 </file>
 
+<file path=ppt/slides/slide3.xml><?xml version="1.0" encoding="utf-8"?>
+<p:sld xmlns:a="http://schemas.openxmlformats.org/drawingml/2006/main" xmlns:r="http://schemas.openxmlformats.org/officeDocument/2006/relationships" xmlns:p="http://schemas.openxmlformats.org/presentationml/2006/main">
+  <p:cSld>
+    <p:spTree>
+      <p:nvGrpSpPr>
+        <p:cNvPr id="1" name=""/>
+        <p:cNvGrpSpPr/>
+        <p:nvPr/>
+      </p:nvGrpSpPr>
+      <p:grpSpPr>
+        <a:xfrm>
+          <a:off x="0" y="0"/>
+          <a:ext cx="0" cy="0"/>
+          <a:chOff x="0" y="0"/>
+          <a:chExt cx="0" cy="0"/>
+        </a:xfrm>
+      </p:grpSpPr>
+      <p:grpSp>
+        <p:nvGrpSpPr>
+          <p:cNvPr id="2" name="Group 1">
+            <a:extLst>
+              <a:ext uri="{FF2B5EF4-FFF2-40B4-BE49-F238E27FC236}">
+                <a16:creationId xmlns:a16="http://schemas.microsoft.com/office/drawing/2014/main" id="{B0F52E38-4161-48E5-AE9D-B445AF779261}"/>
+              </a:ext>
+            </a:extLst>
+          </p:cNvPr>
+          <p:cNvGrpSpPr/>
+          <p:nvPr/>
+        </p:nvGrpSpPr>
+        <p:grpSpPr>
+          <a:xfrm>
+            <a:off x="4483628" y="526202"/>
+            <a:ext cx="2261181" cy="1164187"/>
+            <a:chOff x="5245285" y="5162817"/>
+            <a:chExt cx="2217045" cy="1141463"/>
+          </a:xfrm>
+        </p:grpSpPr>
+        <p:grpSp>
+          <p:nvGrpSpPr>
+            <p:cNvPr id="3" name="Group 2">
+              <a:extLst>
+                <a:ext uri="{FF2B5EF4-FFF2-40B4-BE49-F238E27FC236}">
+                  <a16:creationId xmlns:a16="http://schemas.microsoft.com/office/drawing/2014/main" id="{F02FB93A-7E6C-4E90-B06E-1B05C24CEFBF}"/>
+                </a:ext>
+              </a:extLst>
+            </p:cNvPr>
+            <p:cNvGrpSpPr/>
+            <p:nvPr/>
+          </p:nvGrpSpPr>
+          <p:grpSpPr>
+            <a:xfrm>
+              <a:off x="6165183" y="5245863"/>
+              <a:ext cx="1297147" cy="1058417"/>
+              <a:chOff x="6165183" y="5245863"/>
+              <a:chExt cx="1297147" cy="1058417"/>
+            </a:xfrm>
+          </p:grpSpPr>
+          <p:pic>
+            <p:nvPicPr>
+              <p:cNvPr id="5" name="Picture 4">
+                <a:extLst>
+                  <a:ext uri="{FF2B5EF4-FFF2-40B4-BE49-F238E27FC236}">
+                    <a16:creationId xmlns:a16="http://schemas.microsoft.com/office/drawing/2014/main" id="{F79F26F2-8C67-42A7-BC62-A3FC2853CBB0}"/>
+                  </a:ext>
+                </a:extLst>
+              </p:cNvPr>
+              <p:cNvPicPr>
+                <a:picLocks noChangeAspect="1"/>
+              </p:cNvPicPr>
+              <p:nvPr/>
+            </p:nvPicPr>
+            <p:blipFill>
+              <a:blip r:embed="rId2"/>
+              <a:stretch>
+                <a:fillRect/>
+              </a:stretch>
+            </p:blipFill>
+            <p:spPr>
+              <a:xfrm>
+                <a:off x="6323888" y="5245863"/>
+                <a:ext cx="584136" cy="794398"/>
+              </a:xfrm>
+              <a:prstGeom prst="rect">
+                <a:avLst/>
+              </a:prstGeom>
+            </p:spPr>
+          </p:pic>
+          <p:pic>
+            <p:nvPicPr>
+              <p:cNvPr id="6" name="Picture 5">
+                <a:extLst>
+                  <a:ext uri="{FF2B5EF4-FFF2-40B4-BE49-F238E27FC236}">
+                    <a16:creationId xmlns:a16="http://schemas.microsoft.com/office/drawing/2014/main" id="{07F5C6BD-46ED-435A-A1CB-B61A7F36D0F8}"/>
+                  </a:ext>
+                </a:extLst>
+              </p:cNvPr>
+              <p:cNvPicPr>
+                <a:picLocks noChangeAspect="1"/>
+              </p:cNvPicPr>
+              <p:nvPr/>
+            </p:nvPicPr>
+            <p:blipFill>
+              <a:blip r:embed="rId3"/>
+              <a:stretch>
+                <a:fillRect/>
+              </a:stretch>
+            </p:blipFill>
+            <p:spPr>
+              <a:xfrm>
+                <a:off x="6671127" y="5707784"/>
+                <a:ext cx="791203" cy="528038"/>
+              </a:xfrm>
+              <a:prstGeom prst="rect">
+                <a:avLst/>
+              </a:prstGeom>
+            </p:spPr>
+          </p:pic>
+          <p:pic>
+            <p:nvPicPr>
+              <p:cNvPr id="7" name="Picture 6">
+                <a:extLst>
+                  <a:ext uri="{FF2B5EF4-FFF2-40B4-BE49-F238E27FC236}">
+                    <a16:creationId xmlns:a16="http://schemas.microsoft.com/office/drawing/2014/main" id="{32FB7DA3-832B-426B-9CDF-B231F713D79F}"/>
+                  </a:ext>
+                </a:extLst>
+              </p:cNvPr>
+              <p:cNvPicPr>
+                <a:picLocks noChangeAspect="1"/>
+              </p:cNvPicPr>
+              <p:nvPr/>
+            </p:nvPicPr>
+            <p:blipFill>
+              <a:blip r:embed="rId4"/>
+              <a:stretch>
+                <a:fillRect/>
+              </a:stretch>
+            </p:blipFill>
+            <p:spPr>
+              <a:xfrm>
+                <a:off x="6165183" y="5649730"/>
+                <a:ext cx="399572" cy="654550"/>
+              </a:xfrm>
+              <a:prstGeom prst="rect">
+                <a:avLst/>
+              </a:prstGeom>
+            </p:spPr>
+          </p:pic>
+        </p:grpSp>
+        <p:pic>
+          <p:nvPicPr>
+            <p:cNvPr id="4" name="Picture 3">
+              <a:extLst>
+                <a:ext uri="{FF2B5EF4-FFF2-40B4-BE49-F238E27FC236}">
+                  <a16:creationId xmlns:a16="http://schemas.microsoft.com/office/drawing/2014/main" id="{C3701E8C-3197-4F2D-B08B-CC14F070B25B}"/>
+                </a:ext>
+              </a:extLst>
+            </p:cNvPr>
+            <p:cNvPicPr>
+              <a:picLocks noChangeAspect="1"/>
+            </p:cNvPicPr>
+            <p:nvPr/>
+          </p:nvPicPr>
+          <p:blipFill>
+            <a:blip r:embed="rId5"/>
+            <a:stretch>
+              <a:fillRect/>
+            </a:stretch>
+          </p:blipFill>
+          <p:spPr>
+            <a:xfrm>
+              <a:off x="5245285" y="5162817"/>
+              <a:ext cx="1078603" cy="1038236"/>
+            </a:xfrm>
+            <a:prstGeom prst="rect">
+              <a:avLst/>
+            </a:prstGeom>
+          </p:spPr>
+        </p:pic>
+      </p:grpSp>
+      <p:grpSp>
+        <p:nvGrpSpPr>
+          <p:cNvPr id="8" name="Group 7">
+            <a:extLst>
+              <a:ext uri="{FF2B5EF4-FFF2-40B4-BE49-F238E27FC236}">
+                <a16:creationId xmlns:a16="http://schemas.microsoft.com/office/drawing/2014/main" id="{27CB4F60-14D9-4297-8F90-A0AED02AE2EC}"/>
+              </a:ext>
+            </a:extLst>
+          </p:cNvPr>
+          <p:cNvGrpSpPr/>
+          <p:nvPr/>
+        </p:nvGrpSpPr>
+        <p:grpSpPr>
+          <a:xfrm>
+            <a:off x="4569646" y="2600266"/>
+            <a:ext cx="928038" cy="543307"/>
+            <a:chOff x="5332478" y="4896807"/>
+            <a:chExt cx="924232" cy="973700"/>
+          </a:xfrm>
+        </p:grpSpPr>
+        <p:sp>
+          <p:nvSpPr>
+            <p:cNvPr id="9" name="Rectangle 8">
+              <a:extLst>
+                <a:ext uri="{FF2B5EF4-FFF2-40B4-BE49-F238E27FC236}">
+                  <a16:creationId xmlns:a16="http://schemas.microsoft.com/office/drawing/2014/main" id="{BB2F7B22-D495-48B5-B66B-04C7C344A824}"/>
+                </a:ext>
+              </a:extLst>
+            </p:cNvPr>
+            <p:cNvSpPr/>
+            <p:nvPr/>
+          </p:nvSpPr>
+          <p:spPr bwMode="auto">
+            <a:xfrm>
+              <a:off x="5332478" y="5002589"/>
+              <a:ext cx="924232" cy="867918"/>
+            </a:xfrm>
+            <a:prstGeom prst="rect">
+              <a:avLst/>
+            </a:prstGeom>
+            <a:solidFill>
+              <a:schemeClr val="bg2"/>
+            </a:solidFill>
+            <a:ln w="38100">
+              <a:solidFill>
+                <a:schemeClr val="tx1"/>
+              </a:solidFill>
+              <a:headEnd type="none" w="med" len="med"/>
+              <a:tailEnd type="none" w="med" len="med"/>
+            </a:ln>
+            <a:effectLst/>
+          </p:spPr>
+          <p:style>
+            <a:lnRef idx="1">
+              <a:schemeClr val="accent2"/>
+            </a:lnRef>
+            <a:fillRef idx="3">
+              <a:schemeClr val="accent2"/>
+            </a:fillRef>
+            <a:effectRef idx="2">
+              <a:schemeClr val="accent2"/>
+            </a:effectRef>
+            <a:fontRef idx="minor">
+              <a:schemeClr val="lt1"/>
+            </a:fontRef>
+          </p:style>
+          <p:txBody>
+            <a:bodyPr rot="0" spcFirstLastPara="0" vertOverflow="overflow" horzOverflow="overflow" vert="horz" wrap="square" lIns="46630" tIns="46630" rIns="46630" bIns="46630" numCol="1" spcCol="0" rtlCol="0" fromWordArt="0" anchor="ctr" anchorCtr="0" forceAA="0" compatLnSpc="1">
+              <a:prstTxWarp prst="textNoShape">
+                <a:avLst/>
+              </a:prstTxWarp>
+              <a:noAutofit/>
+            </a:bodyPr>
+            <a:lstStyle/>
+            <a:p>
+              <a:pPr algn="ctr" defTabSz="932290" fontAlgn="base">
+                <a:spcBef>
+                  <a:spcPct val="0"/>
+                </a:spcBef>
+                <a:spcAft>
+                  <a:spcPct val="0"/>
+                </a:spcAft>
+              </a:pPr>
+              <a:r>
+                <a:rPr lang="en-US" sz="1632" dirty="0" err="1">
+                  <a:solidFill>
+                    <a:schemeClr val="tx1">
+                      <a:lumMod val="65000"/>
+                      <a:lumOff val="35000"/>
+                    </a:schemeClr>
+                  </a:solidFill>
+                  <a:latin typeface="Segoe UI" pitchFamily="34" charset="0"/>
+                </a:rPr>
+                <a:t>IWeb</a:t>
+              </a:r>
+              <a:endParaRPr lang="en-US" sz="1632" dirty="0">
+                <a:solidFill>
+                  <a:schemeClr val="tx1">
+                    <a:lumMod val="65000"/>
+                    <a:lumOff val="35000"/>
+                  </a:schemeClr>
+                </a:solidFill>
+                <a:latin typeface="Segoe UI" pitchFamily="34" charset="0"/>
+              </a:endParaRPr>
+            </a:p>
+          </p:txBody>
+        </p:sp>
+        <p:sp>
+          <p:nvSpPr>
+            <p:cNvPr id="10" name="Rectangle 9">
+              <a:extLst>
+                <a:ext uri="{FF2B5EF4-FFF2-40B4-BE49-F238E27FC236}">
+                  <a16:creationId xmlns:a16="http://schemas.microsoft.com/office/drawing/2014/main" id="{C4A274E0-C69F-4B66-884B-5007AD75F134}"/>
+                </a:ext>
+              </a:extLst>
+            </p:cNvPr>
+            <p:cNvSpPr/>
+            <p:nvPr/>
+          </p:nvSpPr>
+          <p:spPr bwMode="auto">
+            <a:xfrm>
+              <a:off x="5332478" y="4896807"/>
+              <a:ext cx="924232" cy="139346"/>
+            </a:xfrm>
+            <a:prstGeom prst="rect">
+              <a:avLst/>
+            </a:prstGeom>
+            <a:solidFill>
+              <a:schemeClr val="tx1"/>
+            </a:solidFill>
+            <a:ln w="38100">
+              <a:solidFill>
+                <a:schemeClr val="tx1"/>
+              </a:solidFill>
+              <a:headEnd type="none" w="med" len="med"/>
+              <a:tailEnd type="none" w="med" len="med"/>
+            </a:ln>
+            <a:effectLst/>
+          </p:spPr>
+          <p:style>
+            <a:lnRef idx="1">
+              <a:schemeClr val="accent2"/>
+            </a:lnRef>
+            <a:fillRef idx="3">
+              <a:schemeClr val="accent2"/>
+            </a:fillRef>
+            <a:effectRef idx="2">
+              <a:schemeClr val="accent2"/>
+            </a:effectRef>
+            <a:fontRef idx="minor">
+              <a:schemeClr val="lt1"/>
+            </a:fontRef>
+          </p:style>
+          <p:txBody>
+            <a:bodyPr rot="0" spcFirstLastPara="0" vertOverflow="overflow" horzOverflow="overflow" vert="horz" wrap="square" lIns="46630" tIns="46630" rIns="46630" bIns="46630" numCol="1" spcCol="0" rtlCol="0" fromWordArt="0" anchor="ctr" anchorCtr="0" forceAA="0" compatLnSpc="1">
+              <a:prstTxWarp prst="textNoShape">
+                <a:avLst/>
+              </a:prstTxWarp>
+              <a:noAutofit/>
+            </a:bodyPr>
+            <a:lstStyle/>
+            <a:p>
+              <a:pPr algn="ctr" defTabSz="932290" fontAlgn="base">
+                <a:spcBef>
+                  <a:spcPct val="0"/>
+                </a:spcBef>
+                <a:spcAft>
+                  <a:spcPct val="0"/>
+                </a:spcAft>
+              </a:pPr>
+              <a:endParaRPr lang="en-US" sz="2244">
+                <a:gradFill>
+                  <a:gsLst>
+                    <a:gs pos="0">
+                      <a:srgbClr val="FFFFFF"/>
+                    </a:gs>
+                    <a:gs pos="100000">
+                      <a:srgbClr val="FFFFFF"/>
+                    </a:gs>
+                  </a:gsLst>
+                  <a:lin ang="5400000" scaled="0"/>
+                </a:gradFill>
+                <a:ea typeface="Segoe UI" pitchFamily="34" charset="0"/>
+                <a:cs typeface="Segoe UI" pitchFamily="34" charset="0"/>
+              </a:endParaRPr>
+            </a:p>
+          </p:txBody>
+        </p:sp>
+      </p:grpSp>
+      <p:grpSp>
+        <p:nvGrpSpPr>
+          <p:cNvPr id="11" name="Group 10">
+            <a:extLst>
+              <a:ext uri="{FF2B5EF4-FFF2-40B4-BE49-F238E27FC236}">
+                <a16:creationId xmlns:a16="http://schemas.microsoft.com/office/drawing/2014/main" id="{6D606E58-477F-4A8A-AF4C-AEAB9F8145CE}"/>
+              </a:ext>
+            </a:extLst>
+          </p:cNvPr>
+          <p:cNvGrpSpPr/>
+          <p:nvPr/>
+        </p:nvGrpSpPr>
+        <p:grpSpPr>
+          <a:xfrm>
+            <a:off x="5369100" y="2871919"/>
+            <a:ext cx="928038" cy="543307"/>
+            <a:chOff x="5332478" y="4896807"/>
+            <a:chExt cx="924232" cy="973700"/>
+          </a:xfrm>
+        </p:grpSpPr>
+        <p:sp>
+          <p:nvSpPr>
+            <p:cNvPr id="12" name="Rectangle 11">
+              <a:extLst>
+                <a:ext uri="{FF2B5EF4-FFF2-40B4-BE49-F238E27FC236}">
+                  <a16:creationId xmlns:a16="http://schemas.microsoft.com/office/drawing/2014/main" id="{A7B2330D-05E7-4CEE-877F-A68572CFBDFD}"/>
+                </a:ext>
+              </a:extLst>
+            </p:cNvPr>
+            <p:cNvSpPr/>
+            <p:nvPr/>
+          </p:nvSpPr>
+          <p:spPr bwMode="auto">
+            <a:xfrm>
+              <a:off x="5332478" y="5002589"/>
+              <a:ext cx="924232" cy="867918"/>
+            </a:xfrm>
+            <a:prstGeom prst="rect">
+              <a:avLst/>
+            </a:prstGeom>
+            <a:solidFill>
+              <a:schemeClr val="bg2"/>
+            </a:solidFill>
+            <a:ln w="38100">
+              <a:solidFill>
+                <a:schemeClr val="tx1"/>
+              </a:solidFill>
+              <a:headEnd type="none" w="med" len="med"/>
+              <a:tailEnd type="none" w="med" len="med"/>
+            </a:ln>
+            <a:effectLst/>
+          </p:spPr>
+          <p:style>
+            <a:lnRef idx="1">
+              <a:schemeClr val="accent2"/>
+            </a:lnRef>
+            <a:fillRef idx="3">
+              <a:schemeClr val="accent2"/>
+            </a:fillRef>
+            <a:effectRef idx="2">
+              <a:schemeClr val="accent2"/>
+            </a:effectRef>
+            <a:fontRef idx="minor">
+              <a:schemeClr val="lt1"/>
+            </a:fontRef>
+          </p:style>
+          <p:txBody>
+            <a:bodyPr rot="0" spcFirstLastPara="0" vertOverflow="overflow" horzOverflow="overflow" vert="horz" wrap="square" lIns="46630" tIns="46630" rIns="46630" bIns="46630" numCol="1" spcCol="0" rtlCol="0" fromWordArt="0" anchor="ctr" anchorCtr="0" forceAA="0" compatLnSpc="1">
+              <a:prstTxWarp prst="textNoShape">
+                <a:avLst/>
+              </a:prstTxWarp>
+              <a:noAutofit/>
+            </a:bodyPr>
+            <a:lstStyle/>
+            <a:p>
+              <a:pPr algn="ctr" defTabSz="932290" fontAlgn="base">
+                <a:spcBef>
+                  <a:spcPct val="0"/>
+                </a:spcBef>
+                <a:spcAft>
+                  <a:spcPct val="0"/>
+                </a:spcAft>
+              </a:pPr>
+              <a:r>
+                <a:rPr lang="en-US" sz="1632" dirty="0" err="1">
+                  <a:solidFill>
+                    <a:schemeClr val="tx1">
+                      <a:lumMod val="65000"/>
+                      <a:lumOff val="35000"/>
+                    </a:schemeClr>
+                  </a:solidFill>
+                  <a:latin typeface="Segoe UI" pitchFamily="34" charset="0"/>
+                </a:rPr>
+                <a:t>ITeam</a:t>
+              </a:r>
+              <a:endParaRPr lang="en-US" sz="1632" dirty="0">
+                <a:solidFill>
+                  <a:schemeClr val="tx1">
+                    <a:lumMod val="65000"/>
+                    <a:lumOff val="35000"/>
+                  </a:schemeClr>
+                </a:solidFill>
+                <a:latin typeface="Segoe UI" pitchFamily="34" charset="0"/>
+              </a:endParaRPr>
+            </a:p>
+          </p:txBody>
+        </p:sp>
+        <p:sp>
+          <p:nvSpPr>
+            <p:cNvPr id="13" name="Rectangle 12">
+              <a:extLst>
+                <a:ext uri="{FF2B5EF4-FFF2-40B4-BE49-F238E27FC236}">
+                  <a16:creationId xmlns:a16="http://schemas.microsoft.com/office/drawing/2014/main" id="{F434F072-ED1A-44EC-AB43-45108019415E}"/>
+                </a:ext>
+              </a:extLst>
+            </p:cNvPr>
+            <p:cNvSpPr/>
+            <p:nvPr/>
+          </p:nvSpPr>
+          <p:spPr bwMode="auto">
+            <a:xfrm>
+              <a:off x="5332478" y="4896807"/>
+              <a:ext cx="924232" cy="139346"/>
+            </a:xfrm>
+            <a:prstGeom prst="rect">
+              <a:avLst/>
+            </a:prstGeom>
+            <a:solidFill>
+              <a:schemeClr val="tx1"/>
+            </a:solidFill>
+            <a:ln w="38100">
+              <a:solidFill>
+                <a:schemeClr val="tx1"/>
+              </a:solidFill>
+              <a:headEnd type="none" w="med" len="med"/>
+              <a:tailEnd type="none" w="med" len="med"/>
+            </a:ln>
+            <a:effectLst/>
+          </p:spPr>
+          <p:style>
+            <a:lnRef idx="1">
+              <a:schemeClr val="accent2"/>
+            </a:lnRef>
+            <a:fillRef idx="3">
+              <a:schemeClr val="accent2"/>
+            </a:fillRef>
+            <a:effectRef idx="2">
+              <a:schemeClr val="accent2"/>
+            </a:effectRef>
+            <a:fontRef idx="minor">
+              <a:schemeClr val="lt1"/>
+            </a:fontRef>
+          </p:style>
+          <p:txBody>
+            <a:bodyPr rot="0" spcFirstLastPara="0" vertOverflow="overflow" horzOverflow="overflow" vert="horz" wrap="square" lIns="46630" tIns="46630" rIns="46630" bIns="46630" numCol="1" spcCol="0" rtlCol="0" fromWordArt="0" anchor="ctr" anchorCtr="0" forceAA="0" compatLnSpc="1">
+              <a:prstTxWarp prst="textNoShape">
+                <a:avLst/>
+              </a:prstTxWarp>
+              <a:noAutofit/>
+            </a:bodyPr>
+            <a:lstStyle/>
+            <a:p>
+              <a:pPr algn="ctr" defTabSz="932290" fontAlgn="base">
+                <a:spcBef>
+                  <a:spcPct val="0"/>
+                </a:spcBef>
+                <a:spcAft>
+                  <a:spcPct val="0"/>
+                </a:spcAft>
+              </a:pPr>
+              <a:endParaRPr lang="en-US" sz="2244">
+                <a:gradFill>
+                  <a:gsLst>
+                    <a:gs pos="0">
+                      <a:srgbClr val="FFFFFF"/>
+                    </a:gs>
+                    <a:gs pos="100000">
+                      <a:srgbClr val="FFFFFF"/>
+                    </a:gs>
+                  </a:gsLst>
+                  <a:lin ang="5400000" scaled="0"/>
+                </a:gradFill>
+                <a:ea typeface="Segoe UI" pitchFamily="34" charset="0"/>
+                <a:cs typeface="Segoe UI" pitchFamily="34" charset="0"/>
+              </a:endParaRPr>
+            </a:p>
+          </p:txBody>
+        </p:sp>
+      </p:grpSp>
+      <p:grpSp>
+        <p:nvGrpSpPr>
+          <p:cNvPr id="14" name="Group 13">
+            <a:extLst>
+              <a:ext uri="{FF2B5EF4-FFF2-40B4-BE49-F238E27FC236}">
+                <a16:creationId xmlns:a16="http://schemas.microsoft.com/office/drawing/2014/main" id="{4AB53AE2-E62D-4A93-A1F6-A634DE5A6623}"/>
+              </a:ext>
+            </a:extLst>
+          </p:cNvPr>
+          <p:cNvGrpSpPr/>
+          <p:nvPr/>
+        </p:nvGrpSpPr>
+        <p:grpSpPr>
+          <a:xfrm>
+            <a:off x="6223471" y="2608054"/>
+            <a:ext cx="928038" cy="543307"/>
+            <a:chOff x="5332478" y="4896807"/>
+            <a:chExt cx="924232" cy="973700"/>
+          </a:xfrm>
+        </p:grpSpPr>
+        <p:sp>
+          <p:nvSpPr>
+            <p:cNvPr id="15" name="Rectangle 14">
+              <a:extLst>
+                <a:ext uri="{FF2B5EF4-FFF2-40B4-BE49-F238E27FC236}">
+                  <a16:creationId xmlns:a16="http://schemas.microsoft.com/office/drawing/2014/main" id="{1628A474-88BB-4F39-B9FA-E61ACE2AA5AA}"/>
+                </a:ext>
+              </a:extLst>
+            </p:cNvPr>
+            <p:cNvSpPr/>
+            <p:nvPr/>
+          </p:nvSpPr>
+          <p:spPr bwMode="auto">
+            <a:xfrm>
+              <a:off x="5332478" y="5002589"/>
+              <a:ext cx="924232" cy="867918"/>
+            </a:xfrm>
+            <a:prstGeom prst="rect">
+              <a:avLst/>
+            </a:prstGeom>
+            <a:solidFill>
+              <a:schemeClr val="bg2"/>
+            </a:solidFill>
+            <a:ln w="38100">
+              <a:solidFill>
+                <a:schemeClr val="tx1"/>
+              </a:solidFill>
+              <a:headEnd type="none" w="med" len="med"/>
+              <a:tailEnd type="none" w="med" len="med"/>
+            </a:ln>
+            <a:effectLst/>
+          </p:spPr>
+          <p:style>
+            <a:lnRef idx="1">
+              <a:schemeClr val="accent2"/>
+            </a:lnRef>
+            <a:fillRef idx="3">
+              <a:schemeClr val="accent2"/>
+            </a:fillRef>
+            <a:effectRef idx="2">
+              <a:schemeClr val="accent2"/>
+            </a:effectRef>
+            <a:fontRef idx="minor">
+              <a:schemeClr val="lt1"/>
+            </a:fontRef>
+          </p:style>
+          <p:txBody>
+            <a:bodyPr rot="0" spcFirstLastPara="0" vertOverflow="overflow" horzOverflow="overflow" vert="horz" wrap="square" lIns="46630" tIns="46630" rIns="46630" bIns="46630" numCol="1" spcCol="0" rtlCol="0" fromWordArt="0" anchor="ctr" anchorCtr="0" forceAA="0" compatLnSpc="1">
+              <a:prstTxWarp prst="textNoShape">
+                <a:avLst/>
+              </a:prstTxWarp>
+              <a:noAutofit/>
+            </a:bodyPr>
+            <a:lstStyle/>
+            <a:p>
+              <a:pPr algn="ctr" defTabSz="932290" fontAlgn="base">
+                <a:spcBef>
+                  <a:spcPct val="0"/>
+                </a:spcBef>
+                <a:spcAft>
+                  <a:spcPct val="0"/>
+                </a:spcAft>
+              </a:pPr>
+              <a:r>
+                <a:rPr lang="en-US" sz="1632" dirty="0" err="1">
+                  <a:solidFill>
+                    <a:schemeClr val="tx1">
+                      <a:lumMod val="65000"/>
+                      <a:lumOff val="35000"/>
+                    </a:schemeClr>
+                  </a:solidFill>
+                  <a:latin typeface="Segoe UI" pitchFamily="34" charset="0"/>
+                </a:rPr>
+                <a:t>ITeam</a:t>
+              </a:r>
+              <a:r>
+                <a:rPr lang="en-US" sz="1632" dirty="0">
+                  <a:solidFill>
+                    <a:schemeClr val="tx1">
+                      <a:lumMod val="65000"/>
+                      <a:lumOff val="35000"/>
+                    </a:schemeClr>
+                  </a:solidFill>
+                  <a:latin typeface="Segoe UI" pitchFamily="34" charset="0"/>
+                </a:rPr>
+                <a:t> Channel</a:t>
+              </a:r>
+            </a:p>
+          </p:txBody>
+        </p:sp>
+        <p:sp>
+          <p:nvSpPr>
+            <p:cNvPr id="16" name="Rectangle 15">
+              <a:extLst>
+                <a:ext uri="{FF2B5EF4-FFF2-40B4-BE49-F238E27FC236}">
+                  <a16:creationId xmlns:a16="http://schemas.microsoft.com/office/drawing/2014/main" id="{4F505637-4A52-452B-ACCE-9140970E38F5}"/>
+                </a:ext>
+              </a:extLst>
+            </p:cNvPr>
+            <p:cNvSpPr/>
+            <p:nvPr/>
+          </p:nvSpPr>
+          <p:spPr bwMode="auto">
+            <a:xfrm>
+              <a:off x="5332478" y="4896807"/>
+              <a:ext cx="924232" cy="139346"/>
+            </a:xfrm>
+            <a:prstGeom prst="rect">
+              <a:avLst/>
+            </a:prstGeom>
+            <a:solidFill>
+              <a:schemeClr val="tx1"/>
+            </a:solidFill>
+            <a:ln w="38100">
+              <a:solidFill>
+                <a:schemeClr val="tx1"/>
+              </a:solidFill>
+              <a:headEnd type="none" w="med" len="med"/>
+              <a:tailEnd type="none" w="med" len="med"/>
+            </a:ln>
+            <a:effectLst/>
+          </p:spPr>
+          <p:style>
+            <a:lnRef idx="1">
+              <a:schemeClr val="accent2"/>
+            </a:lnRef>
+            <a:fillRef idx="3">
+              <a:schemeClr val="accent2"/>
+            </a:fillRef>
+            <a:effectRef idx="2">
+              <a:schemeClr val="accent2"/>
+            </a:effectRef>
+            <a:fontRef idx="minor">
+              <a:schemeClr val="lt1"/>
+            </a:fontRef>
+          </p:style>
+          <p:txBody>
+            <a:bodyPr rot="0" spcFirstLastPara="0" vertOverflow="overflow" horzOverflow="overflow" vert="horz" wrap="square" lIns="46630" tIns="46630" rIns="46630" bIns="46630" numCol="1" spcCol="0" rtlCol="0" fromWordArt="0" anchor="ctr" anchorCtr="0" forceAA="0" compatLnSpc="1">
+              <a:prstTxWarp prst="textNoShape">
+                <a:avLst/>
+              </a:prstTxWarp>
+              <a:noAutofit/>
+            </a:bodyPr>
+            <a:lstStyle/>
+            <a:p>
+              <a:pPr algn="ctr" defTabSz="932290" fontAlgn="base">
+                <a:spcBef>
+                  <a:spcPct val="0"/>
+                </a:spcBef>
+                <a:spcAft>
+                  <a:spcPct val="0"/>
+                </a:spcAft>
+              </a:pPr>
+              <a:endParaRPr lang="en-US" sz="2244">
+                <a:gradFill>
+                  <a:gsLst>
+                    <a:gs pos="0">
+                      <a:srgbClr val="FFFFFF"/>
+                    </a:gs>
+                    <a:gs pos="100000">
+                      <a:srgbClr val="FFFFFF"/>
+                    </a:gs>
+                  </a:gsLst>
+                  <a:lin ang="5400000" scaled="0"/>
+                </a:gradFill>
+                <a:ea typeface="Segoe UI" pitchFamily="34" charset="0"/>
+                <a:cs typeface="Segoe UI" pitchFamily="34" charset="0"/>
+              </a:endParaRPr>
+            </a:p>
+          </p:txBody>
+        </p:sp>
+      </p:grpSp>
+      <p:cxnSp>
+        <p:nvCxnSpPr>
+          <p:cNvPr id="17" name="Straight Arrow Connector 16">
+            <a:extLst>
+              <a:ext uri="{FF2B5EF4-FFF2-40B4-BE49-F238E27FC236}">
+                <a16:creationId xmlns:a16="http://schemas.microsoft.com/office/drawing/2014/main" id="{B741F829-FCEE-4B17-BC9B-0F304370F9C1}"/>
+              </a:ext>
+            </a:extLst>
+          </p:cNvPr>
+          <p:cNvCxnSpPr>
+            <a:cxnSpLocks/>
+          </p:cNvCxnSpPr>
+          <p:nvPr/>
+        </p:nvCxnSpPr>
+        <p:spPr>
+          <a:xfrm flipV="1">
+            <a:off x="5881584" y="1730087"/>
+            <a:ext cx="1" cy="1073040"/>
+          </a:xfrm>
+          <a:prstGeom prst="straightConnector1">
+            <a:avLst/>
+          </a:prstGeom>
+          <a:ln w="50800">
+            <a:solidFill>
+              <a:schemeClr val="tx2"/>
+            </a:solidFill>
+            <a:prstDash val="sysDash"/>
+            <a:headEnd type="stealth" w="lg" len="lg"/>
+            <a:tailEnd type="none" w="lg" len="lg"/>
+          </a:ln>
+          <a:effectLst>
+            <a:outerShdw blurRad="50800" dist="38100" dir="2700000" algn="tl" rotWithShape="0">
+              <a:schemeClr val="bg1">
+                <a:alpha val="40000"/>
+              </a:schemeClr>
+            </a:outerShdw>
+          </a:effectLst>
+        </p:spPr>
+        <p:style>
+          <a:lnRef idx="1">
+            <a:schemeClr val="accent4"/>
+          </a:lnRef>
+          <a:fillRef idx="0">
+            <a:schemeClr val="accent4"/>
+          </a:fillRef>
+          <a:effectRef idx="0">
+            <a:schemeClr val="accent4"/>
+          </a:effectRef>
+          <a:fontRef idx="minor">
+            <a:schemeClr val="tx1"/>
+          </a:fontRef>
+        </p:style>
+      </p:cxnSp>
+      <p:cxnSp>
+        <p:nvCxnSpPr>
+          <p:cNvPr id="18" name="Straight Connector 17">
+            <a:extLst>
+              <a:ext uri="{FF2B5EF4-FFF2-40B4-BE49-F238E27FC236}">
+                <a16:creationId xmlns:a16="http://schemas.microsoft.com/office/drawing/2014/main" id="{1E3FC7C8-4AA5-495A-AB20-BEC339E1F4E4}"/>
+              </a:ext>
+            </a:extLst>
+          </p:cNvPr>
+          <p:cNvCxnSpPr>
+            <a:cxnSpLocks/>
+            <a:stCxn id="19" idx="3"/>
+          </p:cNvCxnSpPr>
+          <p:nvPr/>
+        </p:nvCxnSpPr>
+        <p:spPr>
+          <a:xfrm>
+            <a:off x="4330562" y="1864835"/>
+            <a:ext cx="1551022" cy="294890"/>
+          </a:xfrm>
+          <a:prstGeom prst="line">
+            <a:avLst/>
+          </a:prstGeom>
+          <a:ln>
+            <a:solidFill>
+              <a:schemeClr val="bg1">
+                <a:lumMod val="25000"/>
+              </a:schemeClr>
+            </a:solidFill>
+            <a:tailEnd type="oval"/>
+          </a:ln>
+        </p:spPr>
+        <p:style>
+          <a:lnRef idx="1">
+            <a:schemeClr val="dk1"/>
+          </a:lnRef>
+          <a:fillRef idx="0">
+            <a:schemeClr val="dk1"/>
+          </a:fillRef>
+          <a:effectRef idx="0">
+            <a:schemeClr val="dk1"/>
+          </a:effectRef>
+          <a:fontRef idx="minor">
+            <a:schemeClr val="tx1"/>
+          </a:fontRef>
+        </p:style>
+      </p:cxnSp>
+      <p:sp>
+        <p:nvSpPr>
+          <p:cNvPr id="19" name="TextBox 4">
+            <a:extLst>
+              <a:ext uri="{FF2B5EF4-FFF2-40B4-BE49-F238E27FC236}">
+                <a16:creationId xmlns:a16="http://schemas.microsoft.com/office/drawing/2014/main" id="{42638610-614E-41E7-8EEE-7EA659D726AD}"/>
+              </a:ext>
+            </a:extLst>
+          </p:cNvPr>
+          <p:cNvSpPr txBox="1"/>
+          <p:nvPr/>
+        </p:nvSpPr>
+        <p:spPr>
+          <a:xfrm>
+            <a:off x="2227812" y="1176119"/>
+            <a:ext cx="2102750" cy="1377432"/>
+          </a:xfrm>
+          <a:prstGeom prst="rect">
+            <a:avLst/>
+          </a:prstGeom>
+          <a:solidFill>
+            <a:srgbClr val="505050"/>
+          </a:solidFill>
+          <a:ln w="19050">
+            <a:noFill/>
+            <a:prstDash val="solid"/>
+            <a:miter lim="800000"/>
+          </a:ln>
+          <a:effectLst/>
+        </p:spPr>
+        <p:txBody>
+          <a:bodyPr wrap="square" lIns="58167" tIns="29085" rIns="93070" bIns="29085" rtlCol="0" anchor="ctr" anchorCtr="0">
+            <a:spAutoFit/>
+          </a:bodyPr>
+          <a:lstStyle>
+            <a:defPPr>
+              <a:defRPr lang="en-US"/>
+            </a:defPPr>
+            <a:lvl1pPr marL="0" algn="l" defTabSz="914156" rtl="0" eaLnBrk="1" latinLnBrk="0" hangingPunct="1">
+              <a:defRPr sz="1800" kern="1200">
+                <a:solidFill>
+                  <a:schemeClr val="tx1"/>
+                </a:solidFill>
+                <a:latin typeface="+mn-lt"/>
+                <a:ea typeface="+mn-ea"/>
+                <a:cs typeface="+mn-cs"/>
+              </a:defRPr>
+            </a:lvl1pPr>
+            <a:lvl2pPr marL="457078" algn="l" defTabSz="914156" rtl="0" eaLnBrk="1" latinLnBrk="0" hangingPunct="1">
+              <a:defRPr sz="1800" kern="1200">
+                <a:solidFill>
+                  <a:schemeClr val="tx1"/>
+                </a:solidFill>
+                <a:latin typeface="+mn-lt"/>
+                <a:ea typeface="+mn-ea"/>
+                <a:cs typeface="+mn-cs"/>
+              </a:defRPr>
+            </a:lvl2pPr>
+            <a:lvl3pPr marL="914156" algn="l" defTabSz="914156" rtl="0" eaLnBrk="1" latinLnBrk="0" hangingPunct="1">
+              <a:defRPr sz="1800" kern="1200">
+                <a:solidFill>
+                  <a:schemeClr val="tx1"/>
+                </a:solidFill>
+                <a:latin typeface="+mn-lt"/>
+                <a:ea typeface="+mn-ea"/>
+                <a:cs typeface="+mn-cs"/>
+              </a:defRPr>
+            </a:lvl3pPr>
+            <a:lvl4pPr marL="1371233" algn="l" defTabSz="914156" rtl="0" eaLnBrk="1" latinLnBrk="0" hangingPunct="1">
+              <a:defRPr sz="1800" kern="1200">
+                <a:solidFill>
+                  <a:schemeClr val="tx1"/>
+                </a:solidFill>
+                <a:latin typeface="+mn-lt"/>
+                <a:ea typeface="+mn-ea"/>
+                <a:cs typeface="+mn-cs"/>
+              </a:defRPr>
+            </a:lvl4pPr>
+            <a:lvl5pPr marL="1828313" algn="l" defTabSz="914156" rtl="0" eaLnBrk="1" latinLnBrk="0" hangingPunct="1">
+              <a:defRPr sz="1800" kern="1200">
+                <a:solidFill>
+                  <a:schemeClr val="tx1"/>
+                </a:solidFill>
+                <a:latin typeface="+mn-lt"/>
+                <a:ea typeface="+mn-ea"/>
+                <a:cs typeface="+mn-cs"/>
+              </a:defRPr>
+            </a:lvl5pPr>
+            <a:lvl6pPr marL="2285391" algn="l" defTabSz="914156" rtl="0" eaLnBrk="1" latinLnBrk="0" hangingPunct="1">
+              <a:defRPr sz="1800" kern="1200">
+                <a:solidFill>
+                  <a:schemeClr val="tx1"/>
+                </a:solidFill>
+                <a:latin typeface="+mn-lt"/>
+                <a:ea typeface="+mn-ea"/>
+                <a:cs typeface="+mn-cs"/>
+              </a:defRPr>
+            </a:lvl6pPr>
+            <a:lvl7pPr marL="2742468" algn="l" defTabSz="914156" rtl="0" eaLnBrk="1" latinLnBrk="0" hangingPunct="1">
+              <a:defRPr sz="1800" kern="1200">
+                <a:solidFill>
+                  <a:schemeClr val="tx1"/>
+                </a:solidFill>
+                <a:latin typeface="+mn-lt"/>
+                <a:ea typeface="+mn-ea"/>
+                <a:cs typeface="+mn-cs"/>
+              </a:defRPr>
+            </a:lvl7pPr>
+            <a:lvl8pPr marL="3199546" algn="l" defTabSz="914156" rtl="0" eaLnBrk="1" latinLnBrk="0" hangingPunct="1">
+              <a:defRPr sz="1800" kern="1200">
+                <a:solidFill>
+                  <a:schemeClr val="tx1"/>
+                </a:solidFill>
+                <a:latin typeface="+mn-lt"/>
+                <a:ea typeface="+mn-ea"/>
+                <a:cs typeface="+mn-cs"/>
+              </a:defRPr>
+            </a:lvl8pPr>
+            <a:lvl9pPr marL="3656624" algn="l" defTabSz="914156" rtl="0" eaLnBrk="1" latinLnBrk="0" hangingPunct="1">
+              <a:defRPr sz="1800" kern="1200">
+                <a:solidFill>
+                  <a:schemeClr val="tx1"/>
+                </a:solidFill>
+                <a:latin typeface="+mn-lt"/>
+                <a:ea typeface="+mn-ea"/>
+                <a:cs typeface="+mn-cs"/>
+              </a:defRPr>
+            </a:lvl9pPr>
+          </a:lstStyle>
+          <a:p>
+            <a:pPr marL="0" lvl="1"/>
+            <a:r>
+              <a:rPr lang="en-US" sz="1224" dirty="0">
+                <a:solidFill>
+                  <a:schemeClr val="bg1"/>
+                </a:solidFill>
+              </a:rPr>
+              <a:t>Developers use async methods to work with the model:</a:t>
+            </a:r>
+          </a:p>
+          <a:p>
+            <a:pPr marL="285750" lvl="1" indent="-285750">
+              <a:buFont typeface="Arial" panose="020B0604020202020204" pitchFamily="34" charset="0"/>
+              <a:buChar char="•"/>
+            </a:pPr>
+            <a:r>
+              <a:rPr lang="en-US" sz="1224" dirty="0" err="1">
+                <a:solidFill>
+                  <a:schemeClr val="bg1"/>
+                </a:solidFill>
+              </a:rPr>
+              <a:t>GetAsync</a:t>
+            </a:r>
+            <a:endParaRPr lang="en-US" sz="1224" dirty="0">
+              <a:solidFill>
+                <a:schemeClr val="bg1"/>
+              </a:solidFill>
+            </a:endParaRPr>
+          </a:p>
+          <a:p>
+            <a:pPr marL="285750" lvl="1" indent="-285750">
+              <a:buFont typeface="Arial" panose="020B0604020202020204" pitchFamily="34" charset="0"/>
+              <a:buChar char="•"/>
+            </a:pPr>
+            <a:r>
+              <a:rPr lang="en-US" sz="1224" dirty="0" err="1">
+                <a:solidFill>
+                  <a:schemeClr val="bg1"/>
+                </a:solidFill>
+              </a:rPr>
+              <a:t>UpdateAsync</a:t>
+            </a:r>
+            <a:endParaRPr lang="en-US" sz="1224" dirty="0">
+              <a:solidFill>
+                <a:schemeClr val="bg1"/>
+              </a:solidFill>
+            </a:endParaRPr>
+          </a:p>
+          <a:p>
+            <a:pPr marL="285750" lvl="1" indent="-285750">
+              <a:buFont typeface="Arial" panose="020B0604020202020204" pitchFamily="34" charset="0"/>
+              <a:buChar char="•"/>
+            </a:pPr>
+            <a:r>
+              <a:rPr lang="en-US" sz="1224" dirty="0" err="1">
+                <a:solidFill>
+                  <a:schemeClr val="bg1"/>
+                </a:solidFill>
+              </a:rPr>
+              <a:t>AddAsync</a:t>
+            </a:r>
+            <a:endParaRPr lang="en-US" sz="1224" dirty="0">
+              <a:solidFill>
+                <a:schemeClr val="bg1"/>
+              </a:solidFill>
+            </a:endParaRPr>
+          </a:p>
+          <a:p>
+            <a:pPr marL="285750" lvl="1" indent="-285750">
+              <a:buFont typeface="Arial" panose="020B0604020202020204" pitchFamily="34" charset="0"/>
+              <a:buChar char="•"/>
+            </a:pPr>
+            <a:r>
+              <a:rPr lang="en-US" sz="1224" dirty="0" err="1">
+                <a:solidFill>
+                  <a:schemeClr val="bg1"/>
+                </a:solidFill>
+              </a:rPr>
+              <a:t>DeleteAsync</a:t>
+            </a:r>
+            <a:endParaRPr lang="en-US" sz="1224" dirty="0">
+              <a:solidFill>
+                <a:schemeClr val="bg1"/>
+              </a:solidFill>
+            </a:endParaRPr>
+          </a:p>
+        </p:txBody>
+      </p:sp>
+      <p:pic>
+        <p:nvPicPr>
+          <p:cNvPr id="20" name="Picture 19" descr="A picture containing object, clock, drawing&#10;&#10;Description automatically generated">
+            <a:extLst>
+              <a:ext uri="{FF2B5EF4-FFF2-40B4-BE49-F238E27FC236}">
+                <a16:creationId xmlns:a16="http://schemas.microsoft.com/office/drawing/2014/main" id="{3A336682-91C2-4D61-90CF-00F13236F582}"/>
+              </a:ext>
+            </a:extLst>
+          </p:cNvPr>
+          <p:cNvPicPr>
+            <a:picLocks noChangeAspect="1"/>
+          </p:cNvPicPr>
+          <p:nvPr/>
+        </p:nvPicPr>
+        <p:blipFill>
+          <a:blip r:embed="rId6">
+            <a:extLst>
+              <a:ext uri="{837473B0-CC2E-450A-ABE3-18F120FF3D39}">
+                <a1611:picAttrSrcUrl xmlns:a1611="http://schemas.microsoft.com/office/drawing/2016/11/main" r:id="rId7"/>
+              </a:ext>
+            </a:extLst>
+          </a:blip>
+          <a:stretch>
+            <a:fillRect/>
+          </a:stretch>
+        </p:blipFill>
+        <p:spPr>
+          <a:xfrm>
+            <a:off x="6461831" y="5452899"/>
+            <a:ext cx="689678" cy="641401"/>
+          </a:xfrm>
+          <a:prstGeom prst="rect">
+            <a:avLst/>
+          </a:prstGeom>
+        </p:spPr>
+      </p:pic>
+      <p:pic>
+        <p:nvPicPr>
+          <p:cNvPr id="21" name="Picture 20" descr="A close up of a sign&#10;&#10;Description automatically generated">
+            <a:extLst>
+              <a:ext uri="{FF2B5EF4-FFF2-40B4-BE49-F238E27FC236}">
+                <a16:creationId xmlns:a16="http://schemas.microsoft.com/office/drawing/2014/main" id="{60962EC2-2C3D-457B-97ED-6A3F4108DF07}"/>
+              </a:ext>
+            </a:extLst>
+          </p:cNvPr>
+          <p:cNvPicPr>
+            <a:picLocks noChangeAspect="1"/>
+          </p:cNvPicPr>
+          <p:nvPr/>
+        </p:nvPicPr>
+        <p:blipFill>
+          <a:blip r:embed="rId8">
+            <a:extLst>
+              <a:ext uri="{837473B0-CC2E-450A-ABE3-18F120FF3D39}">
+                <a1611:picAttrSrcUrl xmlns:a1611="http://schemas.microsoft.com/office/drawing/2016/11/main" r:id="rId9"/>
+              </a:ext>
+            </a:extLst>
+          </a:blip>
+          <a:stretch>
+            <a:fillRect/>
+          </a:stretch>
+        </p:blipFill>
+        <p:spPr>
+          <a:xfrm>
+            <a:off x="5183358" y="5443881"/>
+            <a:ext cx="717761" cy="701013"/>
+          </a:xfrm>
+          <a:prstGeom prst="rect">
+            <a:avLst/>
+          </a:prstGeom>
+        </p:spPr>
+      </p:pic>
+      <p:grpSp>
+        <p:nvGrpSpPr>
+          <p:cNvPr id="22" name="Group 21">
+            <a:extLst>
+              <a:ext uri="{FF2B5EF4-FFF2-40B4-BE49-F238E27FC236}">
+                <a16:creationId xmlns:a16="http://schemas.microsoft.com/office/drawing/2014/main" id="{5E60587D-92A0-4F3B-9849-C731D780990E}"/>
+              </a:ext>
+            </a:extLst>
+          </p:cNvPr>
+          <p:cNvGrpSpPr/>
+          <p:nvPr/>
+        </p:nvGrpSpPr>
+        <p:grpSpPr>
+          <a:xfrm>
+            <a:off x="3678230" y="4073892"/>
+            <a:ext cx="4702536" cy="607614"/>
+            <a:chOff x="7058582" y="4289331"/>
+            <a:chExt cx="4702536" cy="607614"/>
+          </a:xfrm>
+        </p:grpSpPr>
+        <p:sp>
+          <p:nvSpPr>
+            <p:cNvPr id="23" name="Rectangle 22">
+              <a:extLst>
+                <a:ext uri="{FF2B5EF4-FFF2-40B4-BE49-F238E27FC236}">
+                  <a16:creationId xmlns:a16="http://schemas.microsoft.com/office/drawing/2014/main" id="{4552215D-8CAE-4ECB-8041-634CD0A76E6D}"/>
+                </a:ext>
+              </a:extLst>
+            </p:cNvPr>
+            <p:cNvSpPr/>
+            <p:nvPr/>
+          </p:nvSpPr>
+          <p:spPr bwMode="auto">
+            <a:xfrm>
+              <a:off x="8818536" y="4289331"/>
+              <a:ext cx="1449091" cy="576064"/>
+            </a:xfrm>
+            <a:prstGeom prst="rect">
+              <a:avLst/>
+            </a:prstGeom>
+            <a:solidFill>
+              <a:schemeClr val="bg1">
+                <a:lumMod val="85000"/>
+                <a:alpha val="75000"/>
+              </a:schemeClr>
+            </a:solidFill>
+            <a:ln>
+              <a:solidFill>
+                <a:schemeClr val="bg1">
+                  <a:lumMod val="65000"/>
+                </a:schemeClr>
+              </a:solidFill>
+              <a:headEnd type="none" w="med" len="med"/>
+              <a:tailEnd type="none" w="med" len="med"/>
+            </a:ln>
+          </p:spPr>
+          <p:style>
+            <a:lnRef idx="2">
+              <a:schemeClr val="accent5"/>
+            </a:lnRef>
+            <a:fillRef idx="1">
+              <a:schemeClr val="lt1"/>
+            </a:fillRef>
+            <a:effectRef idx="0">
+              <a:schemeClr val="accent5"/>
+            </a:effectRef>
+            <a:fontRef idx="minor">
+              <a:schemeClr val="dk1"/>
+            </a:fontRef>
+          </p:style>
+          <p:txBody>
+            <a:bodyPr rot="0" spcFirstLastPara="0" vertOverflow="overflow" horzOverflow="overflow" vert="horz" wrap="square" lIns="108000" tIns="46630" rIns="46630" bIns="46630" numCol="1" spcCol="0" rtlCol="0" fromWordArt="0" anchor="ctr" anchorCtr="0" forceAA="0" compatLnSpc="1">
+              <a:prstTxWarp prst="textNoShape">
+                <a:avLst/>
+              </a:prstTxWarp>
+              <a:noAutofit/>
+            </a:bodyPr>
+            <a:lstStyle/>
+            <a:p>
+              <a:pPr algn="ctr" defTabSz="932290" fontAlgn="base">
+                <a:spcBef>
+                  <a:spcPct val="0"/>
+                </a:spcBef>
+                <a:spcAft>
+                  <a:spcPct val="0"/>
+                </a:spcAft>
+              </a:pPr>
+              <a:r>
+                <a:rPr lang="en-US" sz="1400" b="1" dirty="0">
+                  <a:solidFill>
+                    <a:schemeClr val="bg2">
+                      <a:lumMod val="25000"/>
+                    </a:schemeClr>
+                  </a:solidFill>
+                  <a:ea typeface="Segoe UI" pitchFamily="34" charset="0"/>
+                  <a:cs typeface="Segoe UI" pitchFamily="34" charset="0"/>
+                </a:rPr>
+                <a:t>Graph v1.0 API</a:t>
+              </a:r>
+            </a:p>
+          </p:txBody>
+        </p:sp>
+        <p:grpSp>
+          <p:nvGrpSpPr>
+            <p:cNvPr id="24" name="Group 23">
+              <a:extLst>
+                <a:ext uri="{FF2B5EF4-FFF2-40B4-BE49-F238E27FC236}">
+                  <a16:creationId xmlns:a16="http://schemas.microsoft.com/office/drawing/2014/main" id="{06FA7B6D-217B-4ED4-869A-B512667CDAD3}"/>
+                </a:ext>
+              </a:extLst>
+            </p:cNvPr>
+            <p:cNvGrpSpPr/>
+            <p:nvPr/>
+          </p:nvGrpSpPr>
+          <p:grpSpPr>
+            <a:xfrm>
+              <a:off x="7058582" y="4289660"/>
+              <a:ext cx="1759954" cy="607285"/>
+              <a:chOff x="3005116" y="4254705"/>
+              <a:chExt cx="1759954" cy="607285"/>
+            </a:xfrm>
+          </p:grpSpPr>
+          <p:sp>
+            <p:nvSpPr>
+              <p:cNvPr id="26" name="Rectangle 25">
+                <a:extLst>
+                  <a:ext uri="{FF2B5EF4-FFF2-40B4-BE49-F238E27FC236}">
+                    <a16:creationId xmlns:a16="http://schemas.microsoft.com/office/drawing/2014/main" id="{3954CE48-ECC0-450C-8F04-D73EA7096BD2}"/>
+                  </a:ext>
+                </a:extLst>
+              </p:cNvPr>
+              <p:cNvSpPr/>
+              <p:nvPr/>
+            </p:nvSpPr>
+            <p:spPr bwMode="auto">
+              <a:xfrm>
+                <a:off x="3271579" y="4254705"/>
+                <a:ext cx="1493491" cy="576064"/>
+              </a:xfrm>
+              <a:prstGeom prst="rect">
+                <a:avLst/>
+              </a:prstGeom>
+              <a:solidFill>
+                <a:schemeClr val="bg1">
+                  <a:lumMod val="85000"/>
+                  <a:alpha val="75000"/>
+                </a:schemeClr>
+              </a:solidFill>
+              <a:ln>
+                <a:solidFill>
+                  <a:schemeClr val="bg1">
+                    <a:lumMod val="65000"/>
+                  </a:schemeClr>
+                </a:solidFill>
+                <a:headEnd type="none" w="med" len="med"/>
+                <a:tailEnd type="none" w="med" len="med"/>
+              </a:ln>
+            </p:spPr>
+            <p:style>
+              <a:lnRef idx="2">
+                <a:schemeClr val="accent5"/>
+              </a:lnRef>
+              <a:fillRef idx="1">
+                <a:schemeClr val="lt1"/>
+              </a:fillRef>
+              <a:effectRef idx="0">
+                <a:schemeClr val="accent5"/>
+              </a:effectRef>
+              <a:fontRef idx="minor">
+                <a:schemeClr val="dk1"/>
+              </a:fontRef>
+            </p:style>
+            <p:txBody>
+              <a:bodyPr rot="0" spcFirstLastPara="0" vertOverflow="overflow" horzOverflow="overflow" vert="horz" wrap="square" lIns="108000" tIns="46630" rIns="46630" bIns="46630" numCol="1" spcCol="0" rtlCol="0" fromWordArt="0" anchor="ctr" anchorCtr="0" forceAA="0" compatLnSpc="1">
+                <a:prstTxWarp prst="textNoShape">
+                  <a:avLst/>
+                </a:prstTxWarp>
+                <a:noAutofit/>
+              </a:bodyPr>
+              <a:lstStyle/>
+              <a:p>
+                <a:pPr algn="ctr" defTabSz="932290" fontAlgn="base">
+                  <a:spcBef>
+                    <a:spcPct val="0"/>
+                  </a:spcBef>
+                  <a:spcAft>
+                    <a:spcPct val="0"/>
+                  </a:spcAft>
+                </a:pPr>
+                <a:r>
+                  <a:rPr lang="en-US" sz="1400" b="1" dirty="0">
+                    <a:solidFill>
+                      <a:schemeClr val="bg2">
+                        <a:lumMod val="25000"/>
+                      </a:schemeClr>
+                    </a:solidFill>
+                    <a:ea typeface="Segoe UI" pitchFamily="34" charset="0"/>
+                    <a:cs typeface="Segoe UI" pitchFamily="34" charset="0"/>
+                  </a:rPr>
+                  <a:t>REST API</a:t>
+                </a:r>
+              </a:p>
+            </p:txBody>
+          </p:sp>
+          <p:pic>
+            <p:nvPicPr>
+              <p:cNvPr id="27" name="Picture 26">
+                <a:extLst>
+                  <a:ext uri="{FF2B5EF4-FFF2-40B4-BE49-F238E27FC236}">
+                    <a16:creationId xmlns:a16="http://schemas.microsoft.com/office/drawing/2014/main" id="{E1A4E8F7-7265-4D79-BEC1-C60DD9502668}"/>
+                  </a:ext>
+                </a:extLst>
+              </p:cNvPr>
+              <p:cNvPicPr>
+                <a:picLocks noChangeAspect="1"/>
+              </p:cNvPicPr>
+              <p:nvPr/>
+            </p:nvPicPr>
+            <p:blipFill>
+              <a:blip r:embed="rId10"/>
+              <a:stretch>
+                <a:fillRect/>
+              </a:stretch>
+            </p:blipFill>
+            <p:spPr>
+              <a:xfrm>
+                <a:off x="3005116" y="4289408"/>
+                <a:ext cx="605350" cy="572582"/>
+              </a:xfrm>
+              <a:prstGeom prst="rect">
+                <a:avLst/>
+              </a:prstGeom>
+            </p:spPr>
+          </p:pic>
+        </p:grpSp>
+        <p:sp>
+          <p:nvSpPr>
+            <p:cNvPr id="25" name="Rectangle 24">
+              <a:extLst>
+                <a:ext uri="{FF2B5EF4-FFF2-40B4-BE49-F238E27FC236}">
+                  <a16:creationId xmlns:a16="http://schemas.microsoft.com/office/drawing/2014/main" id="{15780EF7-C695-4ED1-9405-77D48356839B}"/>
+                </a:ext>
+              </a:extLst>
+            </p:cNvPr>
+            <p:cNvSpPr/>
+            <p:nvPr/>
+          </p:nvSpPr>
+          <p:spPr bwMode="auto">
+            <a:xfrm>
+              <a:off x="10267627" y="4289660"/>
+              <a:ext cx="1493491" cy="576064"/>
+            </a:xfrm>
+            <a:prstGeom prst="rect">
+              <a:avLst/>
+            </a:prstGeom>
+            <a:solidFill>
+              <a:schemeClr val="bg1">
+                <a:lumMod val="85000"/>
+                <a:alpha val="75000"/>
+              </a:schemeClr>
+            </a:solidFill>
+            <a:ln>
+              <a:solidFill>
+                <a:schemeClr val="bg1">
+                  <a:lumMod val="65000"/>
+                </a:schemeClr>
+              </a:solidFill>
+              <a:headEnd type="none" w="med" len="med"/>
+              <a:tailEnd type="none" w="med" len="med"/>
+            </a:ln>
+          </p:spPr>
+          <p:style>
+            <a:lnRef idx="2">
+              <a:schemeClr val="accent5"/>
+            </a:lnRef>
+            <a:fillRef idx="1">
+              <a:schemeClr val="lt1"/>
+            </a:fillRef>
+            <a:effectRef idx="0">
+              <a:schemeClr val="accent5"/>
+            </a:effectRef>
+            <a:fontRef idx="minor">
+              <a:schemeClr val="dk1"/>
+            </a:fontRef>
+          </p:style>
+          <p:txBody>
+            <a:bodyPr rot="0" spcFirstLastPara="0" vertOverflow="overflow" horzOverflow="overflow" vert="horz" wrap="square" lIns="108000" tIns="46630" rIns="46630" bIns="46630" numCol="1" spcCol="0" rtlCol="0" fromWordArt="0" anchor="ctr" anchorCtr="0" forceAA="0" compatLnSpc="1">
+              <a:prstTxWarp prst="textNoShape">
+                <a:avLst/>
+              </a:prstTxWarp>
+              <a:noAutofit/>
+            </a:bodyPr>
+            <a:lstStyle/>
+            <a:p>
+              <a:pPr algn="ctr" defTabSz="932290" fontAlgn="base">
+                <a:spcBef>
+                  <a:spcPct val="0"/>
+                </a:spcBef>
+                <a:spcAft>
+                  <a:spcPct val="0"/>
+                </a:spcAft>
+              </a:pPr>
+              <a:r>
+                <a:rPr lang="en-US" sz="1400" b="1" dirty="0">
+                  <a:solidFill>
+                    <a:schemeClr val="bg2">
+                      <a:lumMod val="25000"/>
+                    </a:schemeClr>
+                  </a:solidFill>
+                  <a:ea typeface="Segoe UI" pitchFamily="34" charset="0"/>
+                  <a:cs typeface="Segoe UI" pitchFamily="34" charset="0"/>
+                </a:rPr>
+                <a:t>Graph beta API</a:t>
+              </a:r>
+            </a:p>
+          </p:txBody>
+        </p:sp>
+      </p:grpSp>
+      <p:cxnSp>
+        <p:nvCxnSpPr>
+          <p:cNvPr id="28" name="Straight Arrow Connector 27">
+            <a:extLst>
+              <a:ext uri="{FF2B5EF4-FFF2-40B4-BE49-F238E27FC236}">
+                <a16:creationId xmlns:a16="http://schemas.microsoft.com/office/drawing/2014/main" id="{33351DA4-29CD-47E0-A537-67CA7FFE8415}"/>
+              </a:ext>
+            </a:extLst>
+          </p:cNvPr>
+          <p:cNvCxnSpPr>
+            <a:cxnSpLocks/>
+          </p:cNvCxnSpPr>
+          <p:nvPr/>
+        </p:nvCxnSpPr>
+        <p:spPr>
+          <a:xfrm flipV="1">
+            <a:off x="5032830" y="3523093"/>
+            <a:ext cx="674027" cy="642761"/>
+          </a:xfrm>
+          <a:prstGeom prst="straightConnector1">
+            <a:avLst/>
+          </a:prstGeom>
+          <a:ln w="50800">
+            <a:solidFill>
+              <a:schemeClr val="tx2"/>
+            </a:solidFill>
+            <a:prstDash val="sysDash"/>
+            <a:headEnd type="stealth" w="lg" len="lg"/>
+            <a:tailEnd type="none" w="lg" len="lg"/>
+          </a:ln>
+          <a:effectLst>
+            <a:outerShdw blurRad="50800" dist="38100" dir="2700000" algn="tl" rotWithShape="0">
+              <a:schemeClr val="bg1">
+                <a:alpha val="40000"/>
+              </a:schemeClr>
+            </a:outerShdw>
+          </a:effectLst>
+        </p:spPr>
+        <p:style>
+          <a:lnRef idx="1">
+            <a:schemeClr val="accent4"/>
+          </a:lnRef>
+          <a:fillRef idx="0">
+            <a:schemeClr val="accent4"/>
+          </a:fillRef>
+          <a:effectRef idx="0">
+            <a:schemeClr val="accent4"/>
+          </a:effectRef>
+          <a:fontRef idx="minor">
+            <a:schemeClr val="tx1"/>
+          </a:fontRef>
+        </p:style>
+      </p:cxnSp>
+      <p:cxnSp>
+        <p:nvCxnSpPr>
+          <p:cNvPr id="29" name="Straight Arrow Connector 28">
+            <a:extLst>
+              <a:ext uri="{FF2B5EF4-FFF2-40B4-BE49-F238E27FC236}">
+                <a16:creationId xmlns:a16="http://schemas.microsoft.com/office/drawing/2014/main" id="{64BD8B60-5FD3-4192-980A-9C3D0FD82DDB}"/>
+              </a:ext>
+            </a:extLst>
+          </p:cNvPr>
+          <p:cNvCxnSpPr>
+            <a:cxnSpLocks/>
+          </p:cNvCxnSpPr>
+          <p:nvPr/>
+        </p:nvCxnSpPr>
+        <p:spPr>
+          <a:xfrm flipH="1" flipV="1">
+            <a:off x="5937855" y="3555928"/>
+            <a:ext cx="32757" cy="609578"/>
+          </a:xfrm>
+          <a:prstGeom prst="straightConnector1">
+            <a:avLst/>
+          </a:prstGeom>
+          <a:ln w="50800">
+            <a:solidFill>
+              <a:schemeClr val="tx2"/>
+            </a:solidFill>
+            <a:prstDash val="sysDash"/>
+            <a:headEnd type="stealth" w="lg" len="lg"/>
+            <a:tailEnd type="none" w="lg" len="lg"/>
+          </a:ln>
+          <a:effectLst>
+            <a:outerShdw blurRad="50800" dist="38100" dir="2700000" algn="tl" rotWithShape="0">
+              <a:schemeClr val="bg1">
+                <a:alpha val="40000"/>
+              </a:schemeClr>
+            </a:outerShdw>
+          </a:effectLst>
+        </p:spPr>
+        <p:style>
+          <a:lnRef idx="1">
+            <a:schemeClr val="accent4"/>
+          </a:lnRef>
+          <a:fillRef idx="0">
+            <a:schemeClr val="accent4"/>
+          </a:fillRef>
+          <a:effectRef idx="0">
+            <a:schemeClr val="accent4"/>
+          </a:effectRef>
+          <a:fontRef idx="minor">
+            <a:schemeClr val="tx1"/>
+          </a:fontRef>
+        </p:style>
+      </p:cxnSp>
+      <p:cxnSp>
+        <p:nvCxnSpPr>
+          <p:cNvPr id="30" name="Straight Arrow Connector 29">
+            <a:extLst>
+              <a:ext uri="{FF2B5EF4-FFF2-40B4-BE49-F238E27FC236}">
+                <a16:creationId xmlns:a16="http://schemas.microsoft.com/office/drawing/2014/main" id="{D691A8A1-B45D-4820-BAD8-42DCFF72E99F}"/>
+              </a:ext>
+            </a:extLst>
+          </p:cNvPr>
+          <p:cNvCxnSpPr>
+            <a:cxnSpLocks/>
+          </p:cNvCxnSpPr>
+          <p:nvPr/>
+        </p:nvCxnSpPr>
+        <p:spPr>
+          <a:xfrm flipH="1" flipV="1">
+            <a:off x="6083160" y="3547279"/>
+            <a:ext cx="1247276" cy="552868"/>
+          </a:xfrm>
+          <a:prstGeom prst="straightConnector1">
+            <a:avLst/>
+          </a:prstGeom>
+          <a:ln w="50800">
+            <a:solidFill>
+              <a:schemeClr val="tx2"/>
+            </a:solidFill>
+            <a:prstDash val="sysDash"/>
+            <a:headEnd type="stealth" w="lg" len="lg"/>
+            <a:tailEnd type="none" w="lg" len="lg"/>
+          </a:ln>
+          <a:effectLst>
+            <a:outerShdw blurRad="50800" dist="38100" dir="2700000" algn="tl" rotWithShape="0">
+              <a:schemeClr val="bg1">
+                <a:alpha val="40000"/>
+              </a:schemeClr>
+            </a:outerShdw>
+          </a:effectLst>
+        </p:spPr>
+        <p:style>
+          <a:lnRef idx="1">
+            <a:schemeClr val="accent4"/>
+          </a:lnRef>
+          <a:fillRef idx="0">
+            <a:schemeClr val="accent4"/>
+          </a:fillRef>
+          <a:effectRef idx="0">
+            <a:schemeClr val="accent4"/>
+          </a:effectRef>
+          <a:fontRef idx="minor">
+            <a:schemeClr val="tx1"/>
+          </a:fontRef>
+        </p:style>
+      </p:cxnSp>
+      <p:cxnSp>
+        <p:nvCxnSpPr>
+          <p:cNvPr id="31" name="Straight Arrow Connector 30">
+            <a:extLst>
+              <a:ext uri="{FF2B5EF4-FFF2-40B4-BE49-F238E27FC236}">
+                <a16:creationId xmlns:a16="http://schemas.microsoft.com/office/drawing/2014/main" id="{D737AAEA-76BF-444D-9802-1F22728C8B50}"/>
+              </a:ext>
+            </a:extLst>
+          </p:cNvPr>
+          <p:cNvCxnSpPr>
+            <a:cxnSpLocks/>
+            <a:endCxn id="23" idx="2"/>
+          </p:cNvCxnSpPr>
+          <p:nvPr/>
+        </p:nvCxnSpPr>
+        <p:spPr>
+          <a:xfrm flipH="1" flipV="1">
+            <a:off x="6162730" y="4649956"/>
+            <a:ext cx="826665" cy="752366"/>
+          </a:xfrm>
+          <a:prstGeom prst="straightConnector1">
+            <a:avLst/>
+          </a:prstGeom>
+          <a:ln w="50800">
+            <a:solidFill>
+              <a:schemeClr val="tx2"/>
+            </a:solidFill>
+            <a:prstDash val="sysDash"/>
+            <a:headEnd type="stealth" w="lg" len="lg"/>
+            <a:tailEnd type="none" w="lg" len="lg"/>
+          </a:ln>
+          <a:effectLst>
+            <a:outerShdw blurRad="50800" dist="38100" dir="2700000" algn="tl" rotWithShape="0">
+              <a:schemeClr val="bg1">
+                <a:alpha val="40000"/>
+              </a:schemeClr>
+            </a:outerShdw>
+          </a:effectLst>
+        </p:spPr>
+        <p:style>
+          <a:lnRef idx="1">
+            <a:schemeClr val="accent4"/>
+          </a:lnRef>
+          <a:fillRef idx="0">
+            <a:schemeClr val="accent4"/>
+          </a:fillRef>
+          <a:effectRef idx="0">
+            <a:schemeClr val="accent4"/>
+          </a:effectRef>
+          <a:fontRef idx="minor">
+            <a:schemeClr val="tx1"/>
+          </a:fontRef>
+        </p:style>
+      </p:cxnSp>
+      <p:cxnSp>
+        <p:nvCxnSpPr>
+          <p:cNvPr id="32" name="Straight Arrow Connector 31">
+            <a:extLst>
+              <a:ext uri="{FF2B5EF4-FFF2-40B4-BE49-F238E27FC236}">
+                <a16:creationId xmlns:a16="http://schemas.microsoft.com/office/drawing/2014/main" id="{98F864F0-77AA-4DB8-ADF8-6C726AAD333D}"/>
+              </a:ext>
+            </a:extLst>
+          </p:cNvPr>
+          <p:cNvCxnSpPr>
+            <a:cxnSpLocks/>
+            <a:endCxn id="25" idx="2"/>
+          </p:cNvCxnSpPr>
+          <p:nvPr/>
+        </p:nvCxnSpPr>
+        <p:spPr>
+          <a:xfrm flipV="1">
+            <a:off x="6989395" y="4650285"/>
+            <a:ext cx="644626" cy="740542"/>
+          </a:xfrm>
+          <a:prstGeom prst="straightConnector1">
+            <a:avLst/>
+          </a:prstGeom>
+          <a:ln w="50800">
+            <a:solidFill>
+              <a:schemeClr val="tx2"/>
+            </a:solidFill>
+            <a:prstDash val="sysDash"/>
+            <a:headEnd type="stealth" w="lg" len="lg"/>
+            <a:tailEnd type="none" w="lg" len="lg"/>
+          </a:ln>
+          <a:effectLst>
+            <a:outerShdw blurRad="50800" dist="38100" dir="2700000" algn="tl" rotWithShape="0">
+              <a:schemeClr val="bg1">
+                <a:alpha val="40000"/>
+              </a:schemeClr>
+            </a:outerShdw>
+          </a:effectLst>
+        </p:spPr>
+        <p:style>
+          <a:lnRef idx="1">
+            <a:schemeClr val="accent4"/>
+          </a:lnRef>
+          <a:fillRef idx="0">
+            <a:schemeClr val="accent4"/>
+          </a:fillRef>
+          <a:effectRef idx="0">
+            <a:schemeClr val="accent4"/>
+          </a:effectRef>
+          <a:fontRef idx="minor">
+            <a:schemeClr val="tx1"/>
+          </a:fontRef>
+        </p:style>
+      </p:cxnSp>
+      <p:cxnSp>
+        <p:nvCxnSpPr>
+          <p:cNvPr id="33" name="Straight Arrow Connector 32">
+            <a:extLst>
+              <a:ext uri="{FF2B5EF4-FFF2-40B4-BE49-F238E27FC236}">
+                <a16:creationId xmlns:a16="http://schemas.microsoft.com/office/drawing/2014/main" id="{93174E63-8895-4F27-B804-A9EC0ADF0450}"/>
+              </a:ext>
+            </a:extLst>
+          </p:cNvPr>
+          <p:cNvCxnSpPr>
+            <a:cxnSpLocks/>
+            <a:endCxn id="26" idx="2"/>
+          </p:cNvCxnSpPr>
+          <p:nvPr/>
+        </p:nvCxnSpPr>
+        <p:spPr>
+          <a:xfrm flipH="1" flipV="1">
+            <a:off x="4691439" y="4650285"/>
+            <a:ext cx="817018" cy="670800"/>
+          </a:xfrm>
+          <a:prstGeom prst="straightConnector1">
+            <a:avLst/>
+          </a:prstGeom>
+          <a:ln w="50800">
+            <a:solidFill>
+              <a:schemeClr val="tx2"/>
+            </a:solidFill>
+            <a:prstDash val="sysDash"/>
+            <a:headEnd type="stealth" w="lg" len="lg"/>
+            <a:tailEnd type="none" w="lg" len="lg"/>
+          </a:ln>
+          <a:effectLst>
+            <a:outerShdw blurRad="50800" dist="38100" dir="2700000" algn="tl" rotWithShape="0">
+              <a:schemeClr val="bg1">
+                <a:alpha val="40000"/>
+              </a:schemeClr>
+            </a:outerShdw>
+          </a:effectLst>
+        </p:spPr>
+        <p:style>
+          <a:lnRef idx="1">
+            <a:schemeClr val="accent4"/>
+          </a:lnRef>
+          <a:fillRef idx="0">
+            <a:schemeClr val="accent4"/>
+          </a:fillRef>
+          <a:effectRef idx="0">
+            <a:schemeClr val="accent4"/>
+          </a:effectRef>
+          <a:fontRef idx="minor">
+            <a:schemeClr val="tx1"/>
+          </a:fontRef>
+        </p:style>
+      </p:cxnSp>
+      <p:cxnSp>
+        <p:nvCxnSpPr>
+          <p:cNvPr id="34" name="Straight Arrow Connector 33">
+            <a:extLst>
+              <a:ext uri="{FF2B5EF4-FFF2-40B4-BE49-F238E27FC236}">
+                <a16:creationId xmlns:a16="http://schemas.microsoft.com/office/drawing/2014/main" id="{9189CF5A-886B-4661-A19F-A72F9EB274A4}"/>
+              </a:ext>
+            </a:extLst>
+          </p:cNvPr>
+          <p:cNvCxnSpPr>
+            <a:cxnSpLocks/>
+            <a:endCxn id="23" idx="2"/>
+          </p:cNvCxnSpPr>
+          <p:nvPr/>
+        </p:nvCxnSpPr>
+        <p:spPr>
+          <a:xfrm flipV="1">
+            <a:off x="5725430" y="4649956"/>
+            <a:ext cx="437300" cy="752366"/>
+          </a:xfrm>
+          <a:prstGeom prst="straightConnector1">
+            <a:avLst/>
+          </a:prstGeom>
+          <a:ln w="50800">
+            <a:solidFill>
+              <a:schemeClr val="tx2"/>
+            </a:solidFill>
+            <a:prstDash val="sysDash"/>
+            <a:headEnd type="stealth" w="lg" len="lg"/>
+            <a:tailEnd type="none" w="lg" len="lg"/>
+          </a:ln>
+          <a:effectLst>
+            <a:outerShdw blurRad="50800" dist="38100" dir="2700000" algn="tl" rotWithShape="0">
+              <a:schemeClr val="bg1">
+                <a:alpha val="40000"/>
+              </a:schemeClr>
+            </a:outerShdw>
+          </a:effectLst>
+        </p:spPr>
+        <p:style>
+          <a:lnRef idx="1">
+            <a:schemeClr val="accent4"/>
+          </a:lnRef>
+          <a:fillRef idx="0">
+            <a:schemeClr val="accent4"/>
+          </a:fillRef>
+          <a:effectRef idx="0">
+            <a:schemeClr val="accent4"/>
+          </a:effectRef>
+          <a:fontRef idx="minor">
+            <a:schemeClr val="tx1"/>
+          </a:fontRef>
+        </p:style>
+      </p:cxnSp>
+      <p:cxnSp>
+        <p:nvCxnSpPr>
+          <p:cNvPr id="35" name="Straight Arrow Connector 34">
+            <a:extLst>
+              <a:ext uri="{FF2B5EF4-FFF2-40B4-BE49-F238E27FC236}">
+                <a16:creationId xmlns:a16="http://schemas.microsoft.com/office/drawing/2014/main" id="{8D87F158-8451-41C5-9C07-8B96F50ED41F}"/>
+              </a:ext>
+            </a:extLst>
+          </p:cNvPr>
+          <p:cNvCxnSpPr>
+            <a:cxnSpLocks/>
+            <a:endCxn id="25" idx="2"/>
+          </p:cNvCxnSpPr>
+          <p:nvPr/>
+        </p:nvCxnSpPr>
+        <p:spPr>
+          <a:xfrm flipV="1">
+            <a:off x="5732671" y="4650285"/>
+            <a:ext cx="1901350" cy="752037"/>
+          </a:xfrm>
+          <a:prstGeom prst="straightConnector1">
+            <a:avLst/>
+          </a:prstGeom>
+          <a:ln w="50800">
+            <a:solidFill>
+              <a:schemeClr val="tx2"/>
+            </a:solidFill>
+            <a:prstDash val="sysDash"/>
+            <a:headEnd type="stealth" w="lg" len="lg"/>
+            <a:tailEnd type="none" w="lg" len="lg"/>
+          </a:ln>
+          <a:effectLst>
+            <a:outerShdw blurRad="50800" dist="38100" dir="2700000" algn="tl" rotWithShape="0">
+              <a:schemeClr val="bg1">
+                <a:alpha val="40000"/>
+              </a:schemeClr>
+            </a:outerShdw>
+          </a:effectLst>
+        </p:spPr>
+        <p:style>
+          <a:lnRef idx="1">
+            <a:schemeClr val="accent4"/>
+          </a:lnRef>
+          <a:fillRef idx="0">
+            <a:schemeClr val="accent4"/>
+          </a:fillRef>
+          <a:effectRef idx="0">
+            <a:schemeClr val="accent4"/>
+          </a:effectRef>
+          <a:fontRef idx="minor">
+            <a:schemeClr val="tx1"/>
+          </a:fontRef>
+        </p:style>
+      </p:cxnSp>
+      <p:cxnSp>
+        <p:nvCxnSpPr>
+          <p:cNvPr id="36" name="Straight Connector 35">
+            <a:extLst>
+              <a:ext uri="{FF2B5EF4-FFF2-40B4-BE49-F238E27FC236}">
+                <a16:creationId xmlns:a16="http://schemas.microsoft.com/office/drawing/2014/main" id="{4C6859A9-2E4D-4C96-99E4-88E01F51499A}"/>
+              </a:ext>
+            </a:extLst>
+          </p:cNvPr>
+          <p:cNvCxnSpPr>
+            <a:cxnSpLocks/>
+            <a:stCxn id="37" idx="3"/>
+          </p:cNvCxnSpPr>
+          <p:nvPr/>
+        </p:nvCxnSpPr>
+        <p:spPr>
+          <a:xfrm flipV="1">
+            <a:off x="4165713" y="4649957"/>
+            <a:ext cx="317915" cy="970913"/>
+          </a:xfrm>
+          <a:prstGeom prst="line">
+            <a:avLst/>
+          </a:prstGeom>
+          <a:ln>
+            <a:solidFill>
+              <a:schemeClr val="bg1">
+                <a:lumMod val="25000"/>
+              </a:schemeClr>
+            </a:solidFill>
+            <a:tailEnd type="oval"/>
+          </a:ln>
+        </p:spPr>
+        <p:style>
+          <a:lnRef idx="1">
+            <a:schemeClr val="dk1"/>
+          </a:lnRef>
+          <a:fillRef idx="0">
+            <a:schemeClr val="dk1"/>
+          </a:fillRef>
+          <a:effectRef idx="0">
+            <a:schemeClr val="dk1"/>
+          </a:effectRef>
+          <a:fontRef idx="minor">
+            <a:schemeClr val="tx1"/>
+          </a:fontRef>
+        </p:style>
+      </p:cxnSp>
+      <p:sp>
+        <p:nvSpPr>
+          <p:cNvPr id="37" name="TextBox 4">
+            <a:extLst>
+              <a:ext uri="{FF2B5EF4-FFF2-40B4-BE49-F238E27FC236}">
+                <a16:creationId xmlns:a16="http://schemas.microsoft.com/office/drawing/2014/main" id="{CB84545A-62D5-4D6B-B3C7-906C908B42E5}"/>
+              </a:ext>
+            </a:extLst>
+          </p:cNvPr>
+          <p:cNvSpPr txBox="1"/>
+          <p:nvPr/>
+        </p:nvSpPr>
+        <p:spPr>
+          <a:xfrm>
+            <a:off x="2062963" y="5120538"/>
+            <a:ext cx="2102750" cy="1000663"/>
+          </a:xfrm>
+          <a:prstGeom prst="rect">
+            <a:avLst/>
+          </a:prstGeom>
+          <a:solidFill>
+            <a:srgbClr val="505050"/>
+          </a:solidFill>
+          <a:ln w="19050">
+            <a:noFill/>
+            <a:prstDash val="solid"/>
+            <a:miter lim="800000"/>
+          </a:ln>
+          <a:effectLst/>
+        </p:spPr>
+        <p:txBody>
+          <a:bodyPr wrap="square" lIns="58167" tIns="29085" rIns="93070" bIns="29085" rtlCol="0" anchor="ctr" anchorCtr="0">
+            <a:spAutoFit/>
+          </a:bodyPr>
+          <a:lstStyle>
+            <a:defPPr>
+              <a:defRPr lang="en-US"/>
+            </a:defPPr>
+            <a:lvl1pPr marL="0" algn="l" defTabSz="914156" rtl="0" eaLnBrk="1" latinLnBrk="0" hangingPunct="1">
+              <a:defRPr sz="1800" kern="1200">
+                <a:solidFill>
+                  <a:schemeClr val="tx1"/>
+                </a:solidFill>
+                <a:latin typeface="+mn-lt"/>
+                <a:ea typeface="+mn-ea"/>
+                <a:cs typeface="+mn-cs"/>
+              </a:defRPr>
+            </a:lvl1pPr>
+            <a:lvl2pPr marL="457078" algn="l" defTabSz="914156" rtl="0" eaLnBrk="1" latinLnBrk="0" hangingPunct="1">
+              <a:defRPr sz="1800" kern="1200">
+                <a:solidFill>
+                  <a:schemeClr val="tx1"/>
+                </a:solidFill>
+                <a:latin typeface="+mn-lt"/>
+                <a:ea typeface="+mn-ea"/>
+                <a:cs typeface="+mn-cs"/>
+              </a:defRPr>
+            </a:lvl2pPr>
+            <a:lvl3pPr marL="914156" algn="l" defTabSz="914156" rtl="0" eaLnBrk="1" latinLnBrk="0" hangingPunct="1">
+              <a:defRPr sz="1800" kern="1200">
+                <a:solidFill>
+                  <a:schemeClr val="tx1"/>
+                </a:solidFill>
+                <a:latin typeface="+mn-lt"/>
+                <a:ea typeface="+mn-ea"/>
+                <a:cs typeface="+mn-cs"/>
+              </a:defRPr>
+            </a:lvl3pPr>
+            <a:lvl4pPr marL="1371233" algn="l" defTabSz="914156" rtl="0" eaLnBrk="1" latinLnBrk="0" hangingPunct="1">
+              <a:defRPr sz="1800" kern="1200">
+                <a:solidFill>
+                  <a:schemeClr val="tx1"/>
+                </a:solidFill>
+                <a:latin typeface="+mn-lt"/>
+                <a:ea typeface="+mn-ea"/>
+                <a:cs typeface="+mn-cs"/>
+              </a:defRPr>
+            </a:lvl4pPr>
+            <a:lvl5pPr marL="1828313" algn="l" defTabSz="914156" rtl="0" eaLnBrk="1" latinLnBrk="0" hangingPunct="1">
+              <a:defRPr sz="1800" kern="1200">
+                <a:solidFill>
+                  <a:schemeClr val="tx1"/>
+                </a:solidFill>
+                <a:latin typeface="+mn-lt"/>
+                <a:ea typeface="+mn-ea"/>
+                <a:cs typeface="+mn-cs"/>
+              </a:defRPr>
+            </a:lvl5pPr>
+            <a:lvl6pPr marL="2285391" algn="l" defTabSz="914156" rtl="0" eaLnBrk="1" latinLnBrk="0" hangingPunct="1">
+              <a:defRPr sz="1800" kern="1200">
+                <a:solidFill>
+                  <a:schemeClr val="tx1"/>
+                </a:solidFill>
+                <a:latin typeface="+mn-lt"/>
+                <a:ea typeface="+mn-ea"/>
+                <a:cs typeface="+mn-cs"/>
+              </a:defRPr>
+            </a:lvl6pPr>
+            <a:lvl7pPr marL="2742468" algn="l" defTabSz="914156" rtl="0" eaLnBrk="1" latinLnBrk="0" hangingPunct="1">
+              <a:defRPr sz="1800" kern="1200">
+                <a:solidFill>
+                  <a:schemeClr val="tx1"/>
+                </a:solidFill>
+                <a:latin typeface="+mn-lt"/>
+                <a:ea typeface="+mn-ea"/>
+                <a:cs typeface="+mn-cs"/>
+              </a:defRPr>
+            </a:lvl7pPr>
+            <a:lvl8pPr marL="3199546" algn="l" defTabSz="914156" rtl="0" eaLnBrk="1" latinLnBrk="0" hangingPunct="1">
+              <a:defRPr sz="1800" kern="1200">
+                <a:solidFill>
+                  <a:schemeClr val="tx1"/>
+                </a:solidFill>
+                <a:latin typeface="+mn-lt"/>
+                <a:ea typeface="+mn-ea"/>
+                <a:cs typeface="+mn-cs"/>
+              </a:defRPr>
+            </a:lvl8pPr>
+            <a:lvl9pPr marL="3656624" algn="l" defTabSz="914156" rtl="0" eaLnBrk="1" latinLnBrk="0" hangingPunct="1">
+              <a:defRPr sz="1800" kern="1200">
+                <a:solidFill>
+                  <a:schemeClr val="tx1"/>
+                </a:solidFill>
+                <a:latin typeface="+mn-lt"/>
+                <a:ea typeface="+mn-ea"/>
+                <a:cs typeface="+mn-cs"/>
+              </a:defRPr>
+            </a:lvl9pPr>
+          </a:lstStyle>
+          <a:p>
+            <a:pPr marL="0" lvl="1"/>
+            <a:r>
+              <a:rPr lang="en-US" sz="1224" dirty="0">
+                <a:solidFill>
+                  <a:schemeClr val="bg1"/>
+                </a:solidFill>
+              </a:rPr>
+              <a:t>The PnP Core SDK will pick the best API for the task at hand, as a developer you don’t need to worry about that anymore</a:t>
+            </a:r>
+          </a:p>
+        </p:txBody>
+      </p:sp>
+    </p:spTree>
+    <p:extLst>
+      <p:ext uri="{BB962C8B-B14F-4D97-AF65-F5344CB8AC3E}">
+        <p14:creationId xmlns:p14="http://schemas.microsoft.com/office/powerpoint/2010/main" val="2301509214"/>
+      </p:ext>
+    </p:extLst>
+  </p:cSld>
+  <p:clrMapOvr>
+    <a:masterClrMapping/>
+  </p:clrMapOvr>
+  <p:timing>
+    <p:tnLst>
+      <p:par>
+        <p:cTn id="1" dur="indefinite" restart="never" nodeType="tmRoot">
+          <p:childTnLst>
+            <p:seq concurrent="1" nextAc="seek">
+              <p:cTn id="2" dur="indefinite" nodeType="mainSeq">
+                <p:childTnLst>
+                  <p:par>
+                    <p:cTn id="3" fill="hold">
+                      <p:stCondLst>
+                        <p:cond delay="indefinite"/>
+                        <p:cond evt="onBegin" delay="0">
+                          <p:tn val="2"/>
+                        </p:cond>
+                      </p:stCondLst>
+                      <p:childTnLst>
+                        <p:par>
+                          <p:cTn id="4" fill="hold">
+                            <p:stCondLst>
+                              <p:cond delay="0"/>
+                            </p:stCondLst>
+                            <p:childTnLst>
+                              <p:par>
+                                <p:cTn id="5" presetID="42" presetClass="entr" presetSubtype="0" fill="hold" nodeType="withEffect">
+                                  <p:stCondLst>
+                                    <p:cond delay="0"/>
+                                  </p:stCondLst>
+                                  <p:childTnLst>
+                                    <p:set>
+                                      <p:cBhvr>
+                                        <p:cTn id="6" dur="1" fill="hold">
+                                          <p:stCondLst>
+                                            <p:cond delay="0"/>
+                                          </p:stCondLst>
+                                        </p:cTn>
+                                        <p:tgtEl>
+                                          <p:spTgt spid="17"/>
+                                        </p:tgtEl>
+                                        <p:attrNameLst>
+                                          <p:attrName>style.visibility</p:attrName>
+                                        </p:attrNameLst>
+                                      </p:cBhvr>
+                                      <p:to>
+                                        <p:strVal val="visible"/>
+                                      </p:to>
+                                    </p:set>
+                                    <p:animEffect transition="in" filter="fade">
+                                      <p:cBhvr>
+                                        <p:cTn id="7" dur="1000"/>
+                                        <p:tgtEl>
+                                          <p:spTgt spid="17"/>
+                                        </p:tgtEl>
+                                      </p:cBhvr>
+                                    </p:animEffect>
+                                    <p:anim calcmode="lin" valueType="num">
+                                      <p:cBhvr>
+                                        <p:cTn id="8" dur="1000" fill="hold"/>
+                                        <p:tgtEl>
+                                          <p:spTgt spid="17"/>
+                                        </p:tgtEl>
+                                        <p:attrNameLst>
+                                          <p:attrName>ppt_x</p:attrName>
+                                        </p:attrNameLst>
+                                      </p:cBhvr>
+                                      <p:tavLst>
+                                        <p:tav tm="0">
+                                          <p:val>
+                                            <p:strVal val="#ppt_x"/>
+                                          </p:val>
+                                        </p:tav>
+                                        <p:tav tm="100000">
+                                          <p:val>
+                                            <p:strVal val="#ppt_x"/>
+                                          </p:val>
+                                        </p:tav>
+                                      </p:tavLst>
+                                    </p:anim>
+                                    <p:anim calcmode="lin" valueType="num">
+                                      <p:cBhvr>
+                                        <p:cTn id="9" dur="1000" fill="hold"/>
+                                        <p:tgtEl>
+                                          <p:spTgt spid="17"/>
+                                        </p:tgtEl>
+                                        <p:attrNameLst>
+                                          <p:attrName>ppt_y</p:attrName>
+                                        </p:attrNameLst>
+                                      </p:cBhvr>
+                                      <p:tavLst>
+                                        <p:tav tm="0">
+                                          <p:val>
+                                            <p:strVal val="#ppt_y+.1"/>
+                                          </p:val>
+                                        </p:tav>
+                                        <p:tav tm="100000">
+                                          <p:val>
+                                            <p:strVal val="#ppt_y"/>
+                                          </p:val>
+                                        </p:tav>
+                                      </p:tavLst>
+                                    </p:anim>
+                                  </p:childTnLst>
+                                </p:cTn>
+                              </p:par>
+                              <p:par>
+                                <p:cTn id="10" presetID="42" presetClass="entr" presetSubtype="0" fill="hold" nodeType="withEffect">
+                                  <p:stCondLst>
+                                    <p:cond delay="0"/>
+                                  </p:stCondLst>
+                                  <p:childTnLst>
+                                    <p:set>
+                                      <p:cBhvr>
+                                        <p:cTn id="11" dur="1" fill="hold">
+                                          <p:stCondLst>
+                                            <p:cond delay="0"/>
+                                          </p:stCondLst>
+                                        </p:cTn>
+                                        <p:tgtEl>
+                                          <p:spTgt spid="28"/>
+                                        </p:tgtEl>
+                                        <p:attrNameLst>
+                                          <p:attrName>style.visibility</p:attrName>
+                                        </p:attrNameLst>
+                                      </p:cBhvr>
+                                      <p:to>
+                                        <p:strVal val="visible"/>
+                                      </p:to>
+                                    </p:set>
+                                    <p:animEffect transition="in" filter="fade">
+                                      <p:cBhvr>
+                                        <p:cTn id="12" dur="1000"/>
+                                        <p:tgtEl>
+                                          <p:spTgt spid="28"/>
+                                        </p:tgtEl>
+                                      </p:cBhvr>
+                                    </p:animEffect>
+                                    <p:anim calcmode="lin" valueType="num">
+                                      <p:cBhvr>
+                                        <p:cTn id="13" dur="1000" fill="hold"/>
+                                        <p:tgtEl>
+                                          <p:spTgt spid="28"/>
+                                        </p:tgtEl>
+                                        <p:attrNameLst>
+                                          <p:attrName>ppt_x</p:attrName>
+                                        </p:attrNameLst>
+                                      </p:cBhvr>
+                                      <p:tavLst>
+                                        <p:tav tm="0">
+                                          <p:val>
+                                            <p:strVal val="#ppt_x"/>
+                                          </p:val>
+                                        </p:tav>
+                                        <p:tav tm="100000">
+                                          <p:val>
+                                            <p:strVal val="#ppt_x"/>
+                                          </p:val>
+                                        </p:tav>
+                                      </p:tavLst>
+                                    </p:anim>
+                                    <p:anim calcmode="lin" valueType="num">
+                                      <p:cBhvr>
+                                        <p:cTn id="14" dur="1000" fill="hold"/>
+                                        <p:tgtEl>
+                                          <p:spTgt spid="28"/>
+                                        </p:tgtEl>
+                                        <p:attrNameLst>
+                                          <p:attrName>ppt_y</p:attrName>
+                                        </p:attrNameLst>
+                                      </p:cBhvr>
+                                      <p:tavLst>
+                                        <p:tav tm="0">
+                                          <p:val>
+                                            <p:strVal val="#ppt_y+.1"/>
+                                          </p:val>
+                                        </p:tav>
+                                        <p:tav tm="100000">
+                                          <p:val>
+                                            <p:strVal val="#ppt_y"/>
+                                          </p:val>
+                                        </p:tav>
+                                      </p:tavLst>
+                                    </p:anim>
+                                  </p:childTnLst>
+                                </p:cTn>
+                              </p:par>
+                              <p:par>
+                                <p:cTn id="15" presetID="42" presetClass="entr" presetSubtype="0" fill="hold" nodeType="withEffect">
+                                  <p:stCondLst>
+                                    <p:cond delay="0"/>
+                                  </p:stCondLst>
+                                  <p:childTnLst>
+                                    <p:set>
+                                      <p:cBhvr>
+                                        <p:cTn id="16" dur="1" fill="hold">
+                                          <p:stCondLst>
+                                            <p:cond delay="0"/>
+                                          </p:stCondLst>
+                                        </p:cTn>
+                                        <p:tgtEl>
+                                          <p:spTgt spid="29"/>
+                                        </p:tgtEl>
+                                        <p:attrNameLst>
+                                          <p:attrName>style.visibility</p:attrName>
+                                        </p:attrNameLst>
+                                      </p:cBhvr>
+                                      <p:to>
+                                        <p:strVal val="visible"/>
+                                      </p:to>
+                                    </p:set>
+                                    <p:animEffect transition="in" filter="fade">
+                                      <p:cBhvr>
+                                        <p:cTn id="17" dur="1000"/>
+                                        <p:tgtEl>
+                                          <p:spTgt spid="29"/>
+                                        </p:tgtEl>
+                                      </p:cBhvr>
+                                    </p:animEffect>
+                                    <p:anim calcmode="lin" valueType="num">
+                                      <p:cBhvr>
+                                        <p:cTn id="18" dur="1000" fill="hold"/>
+                                        <p:tgtEl>
+                                          <p:spTgt spid="29"/>
+                                        </p:tgtEl>
+                                        <p:attrNameLst>
+                                          <p:attrName>ppt_x</p:attrName>
+                                        </p:attrNameLst>
+                                      </p:cBhvr>
+                                      <p:tavLst>
+                                        <p:tav tm="0">
+                                          <p:val>
+                                            <p:strVal val="#ppt_x"/>
+                                          </p:val>
+                                        </p:tav>
+                                        <p:tav tm="100000">
+                                          <p:val>
+                                            <p:strVal val="#ppt_x"/>
+                                          </p:val>
+                                        </p:tav>
+                                      </p:tavLst>
+                                    </p:anim>
+                                    <p:anim calcmode="lin" valueType="num">
+                                      <p:cBhvr>
+                                        <p:cTn id="19" dur="1000" fill="hold"/>
+                                        <p:tgtEl>
+                                          <p:spTgt spid="29"/>
+                                        </p:tgtEl>
+                                        <p:attrNameLst>
+                                          <p:attrName>ppt_y</p:attrName>
+                                        </p:attrNameLst>
+                                      </p:cBhvr>
+                                      <p:tavLst>
+                                        <p:tav tm="0">
+                                          <p:val>
+                                            <p:strVal val="#ppt_y+.1"/>
+                                          </p:val>
+                                        </p:tav>
+                                        <p:tav tm="100000">
+                                          <p:val>
+                                            <p:strVal val="#ppt_y"/>
+                                          </p:val>
+                                        </p:tav>
+                                      </p:tavLst>
+                                    </p:anim>
+                                  </p:childTnLst>
+                                </p:cTn>
+                              </p:par>
+                              <p:par>
+                                <p:cTn id="20" presetID="42" presetClass="entr" presetSubtype="0" fill="hold" nodeType="withEffect">
+                                  <p:stCondLst>
+                                    <p:cond delay="0"/>
+                                  </p:stCondLst>
+                                  <p:childTnLst>
+                                    <p:set>
+                                      <p:cBhvr>
+                                        <p:cTn id="21" dur="1" fill="hold">
+                                          <p:stCondLst>
+                                            <p:cond delay="0"/>
+                                          </p:stCondLst>
+                                        </p:cTn>
+                                        <p:tgtEl>
+                                          <p:spTgt spid="30"/>
+                                        </p:tgtEl>
+                                        <p:attrNameLst>
+                                          <p:attrName>style.visibility</p:attrName>
+                                        </p:attrNameLst>
+                                      </p:cBhvr>
+                                      <p:to>
+                                        <p:strVal val="visible"/>
+                                      </p:to>
+                                    </p:set>
+                                    <p:animEffect transition="in" filter="fade">
+                                      <p:cBhvr>
+                                        <p:cTn id="22" dur="1000"/>
+                                        <p:tgtEl>
+                                          <p:spTgt spid="30"/>
+                                        </p:tgtEl>
+                                      </p:cBhvr>
+                                    </p:animEffect>
+                                    <p:anim calcmode="lin" valueType="num">
+                                      <p:cBhvr>
+                                        <p:cTn id="23" dur="1000" fill="hold"/>
+                                        <p:tgtEl>
+                                          <p:spTgt spid="30"/>
+                                        </p:tgtEl>
+                                        <p:attrNameLst>
+                                          <p:attrName>ppt_x</p:attrName>
+                                        </p:attrNameLst>
+                                      </p:cBhvr>
+                                      <p:tavLst>
+                                        <p:tav tm="0">
+                                          <p:val>
+                                            <p:strVal val="#ppt_x"/>
+                                          </p:val>
+                                        </p:tav>
+                                        <p:tav tm="100000">
+                                          <p:val>
+                                            <p:strVal val="#ppt_x"/>
+                                          </p:val>
+                                        </p:tav>
+                                      </p:tavLst>
+                                    </p:anim>
+                                    <p:anim calcmode="lin" valueType="num">
+                                      <p:cBhvr>
+                                        <p:cTn id="24" dur="1000" fill="hold"/>
+                                        <p:tgtEl>
+                                          <p:spTgt spid="30"/>
+                                        </p:tgtEl>
+                                        <p:attrNameLst>
+                                          <p:attrName>ppt_y</p:attrName>
+                                        </p:attrNameLst>
+                                      </p:cBhvr>
+                                      <p:tavLst>
+                                        <p:tav tm="0">
+                                          <p:val>
+                                            <p:strVal val="#ppt_y+.1"/>
+                                          </p:val>
+                                        </p:tav>
+                                        <p:tav tm="100000">
+                                          <p:val>
+                                            <p:strVal val="#ppt_y"/>
+                                          </p:val>
+                                        </p:tav>
+                                      </p:tavLst>
+                                    </p:anim>
+                                  </p:childTnLst>
+                                </p:cTn>
+                              </p:par>
+                              <p:par>
+                                <p:cTn id="25" presetID="42" presetClass="entr" presetSubtype="0" fill="hold" nodeType="withEffect">
+                                  <p:stCondLst>
+                                    <p:cond delay="0"/>
+                                  </p:stCondLst>
+                                  <p:childTnLst>
+                                    <p:set>
+                                      <p:cBhvr>
+                                        <p:cTn id="26" dur="1" fill="hold">
+                                          <p:stCondLst>
+                                            <p:cond delay="0"/>
+                                          </p:stCondLst>
+                                        </p:cTn>
+                                        <p:tgtEl>
+                                          <p:spTgt spid="31"/>
+                                        </p:tgtEl>
+                                        <p:attrNameLst>
+                                          <p:attrName>style.visibility</p:attrName>
+                                        </p:attrNameLst>
+                                      </p:cBhvr>
+                                      <p:to>
+                                        <p:strVal val="visible"/>
+                                      </p:to>
+                                    </p:set>
+                                    <p:animEffect transition="in" filter="fade">
+                                      <p:cBhvr>
+                                        <p:cTn id="27" dur="1000"/>
+                                        <p:tgtEl>
+                                          <p:spTgt spid="31"/>
+                                        </p:tgtEl>
+                                      </p:cBhvr>
+                                    </p:animEffect>
+                                    <p:anim calcmode="lin" valueType="num">
+                                      <p:cBhvr>
+                                        <p:cTn id="28" dur="1000" fill="hold"/>
+                                        <p:tgtEl>
+                                          <p:spTgt spid="31"/>
+                                        </p:tgtEl>
+                                        <p:attrNameLst>
+                                          <p:attrName>ppt_x</p:attrName>
+                                        </p:attrNameLst>
+                                      </p:cBhvr>
+                                      <p:tavLst>
+                                        <p:tav tm="0">
+                                          <p:val>
+                                            <p:strVal val="#ppt_x"/>
+                                          </p:val>
+                                        </p:tav>
+                                        <p:tav tm="100000">
+                                          <p:val>
+                                            <p:strVal val="#ppt_x"/>
+                                          </p:val>
+                                        </p:tav>
+                                      </p:tavLst>
+                                    </p:anim>
+                                    <p:anim calcmode="lin" valueType="num">
+                                      <p:cBhvr>
+                                        <p:cTn id="29" dur="1000" fill="hold"/>
+                                        <p:tgtEl>
+                                          <p:spTgt spid="31"/>
+                                        </p:tgtEl>
+                                        <p:attrNameLst>
+                                          <p:attrName>ppt_y</p:attrName>
+                                        </p:attrNameLst>
+                                      </p:cBhvr>
+                                      <p:tavLst>
+                                        <p:tav tm="0">
+                                          <p:val>
+                                            <p:strVal val="#ppt_y+.1"/>
+                                          </p:val>
+                                        </p:tav>
+                                        <p:tav tm="100000">
+                                          <p:val>
+                                            <p:strVal val="#ppt_y"/>
+                                          </p:val>
+                                        </p:tav>
+                                      </p:tavLst>
+                                    </p:anim>
+                                  </p:childTnLst>
+                                </p:cTn>
+                              </p:par>
+                              <p:par>
+                                <p:cTn id="30" presetID="42" presetClass="entr" presetSubtype="0" fill="hold" nodeType="withEffect">
+                                  <p:stCondLst>
+                                    <p:cond delay="0"/>
+                                  </p:stCondLst>
+                                  <p:childTnLst>
+                                    <p:set>
+                                      <p:cBhvr>
+                                        <p:cTn id="31" dur="1" fill="hold">
+                                          <p:stCondLst>
+                                            <p:cond delay="0"/>
+                                          </p:stCondLst>
+                                        </p:cTn>
+                                        <p:tgtEl>
+                                          <p:spTgt spid="32"/>
+                                        </p:tgtEl>
+                                        <p:attrNameLst>
+                                          <p:attrName>style.visibility</p:attrName>
+                                        </p:attrNameLst>
+                                      </p:cBhvr>
+                                      <p:to>
+                                        <p:strVal val="visible"/>
+                                      </p:to>
+                                    </p:set>
+                                    <p:animEffect transition="in" filter="fade">
+                                      <p:cBhvr>
+                                        <p:cTn id="32" dur="1000"/>
+                                        <p:tgtEl>
+                                          <p:spTgt spid="32"/>
+                                        </p:tgtEl>
+                                      </p:cBhvr>
+                                    </p:animEffect>
+                                    <p:anim calcmode="lin" valueType="num">
+                                      <p:cBhvr>
+                                        <p:cTn id="33" dur="1000" fill="hold"/>
+                                        <p:tgtEl>
+                                          <p:spTgt spid="32"/>
+                                        </p:tgtEl>
+                                        <p:attrNameLst>
+                                          <p:attrName>ppt_x</p:attrName>
+                                        </p:attrNameLst>
+                                      </p:cBhvr>
+                                      <p:tavLst>
+                                        <p:tav tm="0">
+                                          <p:val>
+                                            <p:strVal val="#ppt_x"/>
+                                          </p:val>
+                                        </p:tav>
+                                        <p:tav tm="100000">
+                                          <p:val>
+                                            <p:strVal val="#ppt_x"/>
+                                          </p:val>
+                                        </p:tav>
+                                      </p:tavLst>
+                                    </p:anim>
+                                    <p:anim calcmode="lin" valueType="num">
+                                      <p:cBhvr>
+                                        <p:cTn id="34" dur="1000" fill="hold"/>
+                                        <p:tgtEl>
+                                          <p:spTgt spid="32"/>
+                                        </p:tgtEl>
+                                        <p:attrNameLst>
+                                          <p:attrName>ppt_y</p:attrName>
+                                        </p:attrNameLst>
+                                      </p:cBhvr>
+                                      <p:tavLst>
+                                        <p:tav tm="0">
+                                          <p:val>
+                                            <p:strVal val="#ppt_y+.1"/>
+                                          </p:val>
+                                        </p:tav>
+                                        <p:tav tm="100000">
+                                          <p:val>
+                                            <p:strVal val="#ppt_y"/>
+                                          </p:val>
+                                        </p:tav>
+                                      </p:tavLst>
+                                    </p:anim>
+                                  </p:childTnLst>
+                                </p:cTn>
+                              </p:par>
+                              <p:par>
+                                <p:cTn id="35" presetID="42" presetClass="entr" presetSubtype="0" fill="hold" nodeType="withEffect">
+                                  <p:stCondLst>
+                                    <p:cond delay="0"/>
+                                  </p:stCondLst>
+                                  <p:childTnLst>
+                                    <p:set>
+                                      <p:cBhvr>
+                                        <p:cTn id="36" dur="1" fill="hold">
+                                          <p:stCondLst>
+                                            <p:cond delay="0"/>
+                                          </p:stCondLst>
+                                        </p:cTn>
+                                        <p:tgtEl>
+                                          <p:spTgt spid="33"/>
+                                        </p:tgtEl>
+                                        <p:attrNameLst>
+                                          <p:attrName>style.visibility</p:attrName>
+                                        </p:attrNameLst>
+                                      </p:cBhvr>
+                                      <p:to>
+                                        <p:strVal val="visible"/>
+                                      </p:to>
+                                    </p:set>
+                                    <p:animEffect transition="in" filter="fade">
+                                      <p:cBhvr>
+                                        <p:cTn id="37" dur="1000"/>
+                                        <p:tgtEl>
+                                          <p:spTgt spid="33"/>
+                                        </p:tgtEl>
+                                      </p:cBhvr>
+                                    </p:animEffect>
+                                    <p:anim calcmode="lin" valueType="num">
+                                      <p:cBhvr>
+                                        <p:cTn id="38" dur="1000" fill="hold"/>
+                                        <p:tgtEl>
+                                          <p:spTgt spid="33"/>
+                                        </p:tgtEl>
+                                        <p:attrNameLst>
+                                          <p:attrName>ppt_x</p:attrName>
+                                        </p:attrNameLst>
+                                      </p:cBhvr>
+                                      <p:tavLst>
+                                        <p:tav tm="0">
+                                          <p:val>
+                                            <p:strVal val="#ppt_x"/>
+                                          </p:val>
+                                        </p:tav>
+                                        <p:tav tm="100000">
+                                          <p:val>
+                                            <p:strVal val="#ppt_x"/>
+                                          </p:val>
+                                        </p:tav>
+                                      </p:tavLst>
+                                    </p:anim>
+                                    <p:anim calcmode="lin" valueType="num">
+                                      <p:cBhvr>
+                                        <p:cTn id="39" dur="1000" fill="hold"/>
+                                        <p:tgtEl>
+                                          <p:spTgt spid="33"/>
+                                        </p:tgtEl>
+                                        <p:attrNameLst>
+                                          <p:attrName>ppt_y</p:attrName>
+                                        </p:attrNameLst>
+                                      </p:cBhvr>
+                                      <p:tavLst>
+                                        <p:tav tm="0">
+                                          <p:val>
+                                            <p:strVal val="#ppt_y+.1"/>
+                                          </p:val>
+                                        </p:tav>
+                                        <p:tav tm="100000">
+                                          <p:val>
+                                            <p:strVal val="#ppt_y"/>
+                                          </p:val>
+                                        </p:tav>
+                                      </p:tavLst>
+                                    </p:anim>
+                                  </p:childTnLst>
+                                </p:cTn>
+                              </p:par>
+                              <p:par>
+                                <p:cTn id="40" presetID="42" presetClass="entr" presetSubtype="0" fill="hold" nodeType="withEffect">
+                                  <p:stCondLst>
+                                    <p:cond delay="0"/>
+                                  </p:stCondLst>
+                                  <p:childTnLst>
+                                    <p:set>
+                                      <p:cBhvr>
+                                        <p:cTn id="41" dur="1" fill="hold">
+                                          <p:stCondLst>
+                                            <p:cond delay="0"/>
+                                          </p:stCondLst>
+                                        </p:cTn>
+                                        <p:tgtEl>
+                                          <p:spTgt spid="34"/>
+                                        </p:tgtEl>
+                                        <p:attrNameLst>
+                                          <p:attrName>style.visibility</p:attrName>
+                                        </p:attrNameLst>
+                                      </p:cBhvr>
+                                      <p:to>
+                                        <p:strVal val="visible"/>
+                                      </p:to>
+                                    </p:set>
+                                    <p:animEffect transition="in" filter="fade">
+                                      <p:cBhvr>
+                                        <p:cTn id="42" dur="1000"/>
+                                        <p:tgtEl>
+                                          <p:spTgt spid="34"/>
+                                        </p:tgtEl>
+                                      </p:cBhvr>
+                                    </p:animEffect>
+                                    <p:anim calcmode="lin" valueType="num">
+                                      <p:cBhvr>
+                                        <p:cTn id="43" dur="1000" fill="hold"/>
+                                        <p:tgtEl>
+                                          <p:spTgt spid="34"/>
+                                        </p:tgtEl>
+                                        <p:attrNameLst>
+                                          <p:attrName>ppt_x</p:attrName>
+                                        </p:attrNameLst>
+                                      </p:cBhvr>
+                                      <p:tavLst>
+                                        <p:tav tm="0">
+                                          <p:val>
+                                            <p:strVal val="#ppt_x"/>
+                                          </p:val>
+                                        </p:tav>
+                                        <p:tav tm="100000">
+                                          <p:val>
+                                            <p:strVal val="#ppt_x"/>
+                                          </p:val>
+                                        </p:tav>
+                                      </p:tavLst>
+                                    </p:anim>
+                                    <p:anim calcmode="lin" valueType="num">
+                                      <p:cBhvr>
+                                        <p:cTn id="44" dur="1000" fill="hold"/>
+                                        <p:tgtEl>
+                                          <p:spTgt spid="34"/>
+                                        </p:tgtEl>
+                                        <p:attrNameLst>
+                                          <p:attrName>ppt_y</p:attrName>
+                                        </p:attrNameLst>
+                                      </p:cBhvr>
+                                      <p:tavLst>
+                                        <p:tav tm="0">
+                                          <p:val>
+                                            <p:strVal val="#ppt_y+.1"/>
+                                          </p:val>
+                                        </p:tav>
+                                        <p:tav tm="100000">
+                                          <p:val>
+                                            <p:strVal val="#ppt_y"/>
+                                          </p:val>
+                                        </p:tav>
+                                      </p:tavLst>
+                                    </p:anim>
+                                  </p:childTnLst>
+                                </p:cTn>
+                              </p:par>
+                              <p:par>
+                                <p:cTn id="45" presetID="42" presetClass="entr" presetSubtype="0" fill="hold" nodeType="withEffect">
+                                  <p:stCondLst>
+                                    <p:cond delay="0"/>
+                                  </p:stCondLst>
+                                  <p:childTnLst>
+                                    <p:set>
+                                      <p:cBhvr>
+                                        <p:cTn id="46" dur="1" fill="hold">
+                                          <p:stCondLst>
+                                            <p:cond delay="0"/>
+                                          </p:stCondLst>
+                                        </p:cTn>
+                                        <p:tgtEl>
+                                          <p:spTgt spid="35"/>
+                                        </p:tgtEl>
+                                        <p:attrNameLst>
+                                          <p:attrName>style.visibility</p:attrName>
+                                        </p:attrNameLst>
+                                      </p:cBhvr>
+                                      <p:to>
+                                        <p:strVal val="visible"/>
+                                      </p:to>
+                                    </p:set>
+                                    <p:animEffect transition="in" filter="fade">
+                                      <p:cBhvr>
+                                        <p:cTn id="47" dur="1000"/>
+                                        <p:tgtEl>
+                                          <p:spTgt spid="35"/>
+                                        </p:tgtEl>
+                                      </p:cBhvr>
+                                    </p:animEffect>
+                                    <p:anim calcmode="lin" valueType="num">
+                                      <p:cBhvr>
+                                        <p:cTn id="48" dur="1000" fill="hold"/>
+                                        <p:tgtEl>
+                                          <p:spTgt spid="35"/>
+                                        </p:tgtEl>
+                                        <p:attrNameLst>
+                                          <p:attrName>ppt_x</p:attrName>
+                                        </p:attrNameLst>
+                                      </p:cBhvr>
+                                      <p:tavLst>
+                                        <p:tav tm="0">
+                                          <p:val>
+                                            <p:strVal val="#ppt_x"/>
+                                          </p:val>
+                                        </p:tav>
+                                        <p:tav tm="100000">
+                                          <p:val>
+                                            <p:strVal val="#ppt_x"/>
+                                          </p:val>
+                                        </p:tav>
+                                      </p:tavLst>
+                                    </p:anim>
+                                    <p:anim calcmode="lin" valueType="num">
+                                      <p:cBhvr>
+                                        <p:cTn id="49" dur="1000" fill="hold"/>
+                                        <p:tgtEl>
+                                          <p:spTgt spid="35"/>
+                                        </p:tgtEl>
+                                        <p:attrNameLst>
+                                          <p:attrName>ppt_y</p:attrName>
+                                        </p:attrNameLst>
+                                      </p:cBhvr>
+                                      <p:tavLst>
+                                        <p:tav tm="0">
+                                          <p:val>
+                                            <p:strVal val="#ppt_y+.1"/>
+                                          </p:val>
+                                        </p:tav>
+                                        <p:tav tm="100000">
+                                          <p:val>
+                                            <p:strVal val="#ppt_y"/>
+                                          </p:val>
+                                        </p:tav>
+                                      </p:tavLst>
+                                    </p:anim>
+                                  </p:childTnLst>
+                                </p:cTn>
+                              </p:par>
+                            </p:childTnLst>
+                          </p:cTn>
+                        </p:par>
+                      </p:childTnLst>
+                    </p:cTn>
+                  </p:par>
+                </p:childTnLst>
+              </p:cTn>
+              <p:prevCondLst>
+                <p:cond evt="onPrev" delay="0">
+                  <p:tgtEl>
+                    <p:sldTgt/>
+                  </p:tgtEl>
+                </p:cond>
+              </p:prevCondLst>
+              <p:nextCondLst>
+                <p:cond evt="onNext" delay="0">
+                  <p:tgtEl>
+                    <p:sldTgt/>
+                  </p:tgtEl>
+                </p:cond>
+              </p:nextCondLst>
+            </p:seq>
+          </p:childTnLst>
+        </p:cTn>
+      </p:par>
+    </p:tnLst>
+  </p:timing>
+</p:sld>
+</file>
+
 <file path=ppt/theme/theme1.xml><?xml version="1.0" encoding="utf-8"?>
 <a:theme xmlns:a="http://schemas.openxmlformats.org/drawingml/2006/main" name="Office Theme">
   <a:themeElements>

--- a/docs/Documentation drawings.pptx
+++ b/docs/Documentation drawings.pptx
@@ -261,7 +261,7 @@
           <a:p>
             <a:fld id="{ED3EB55B-5F2F-4CC1-A16F-78A1F8C5C611}" type="datetimeFigureOut">
               <a:rPr lang="en-US" smtClean="0"/>
-              <a:t>5/20/2020</a:t>
+              <a:t>10/27/2020</a:t>
             </a:fld>
             <a:endParaRPr lang="en-US"/>
           </a:p>
@@ -459,7 +459,7 @@
           <a:p>
             <a:fld id="{ED3EB55B-5F2F-4CC1-A16F-78A1F8C5C611}" type="datetimeFigureOut">
               <a:rPr lang="en-US" smtClean="0"/>
-              <a:t>5/20/2020</a:t>
+              <a:t>10/27/2020</a:t>
             </a:fld>
             <a:endParaRPr lang="en-US"/>
           </a:p>
@@ -667,7 +667,7 @@
           <a:p>
             <a:fld id="{ED3EB55B-5F2F-4CC1-A16F-78A1F8C5C611}" type="datetimeFigureOut">
               <a:rPr lang="en-US" smtClean="0"/>
-              <a:t>5/20/2020</a:t>
+              <a:t>10/27/2020</a:t>
             </a:fld>
             <a:endParaRPr lang="en-US"/>
           </a:p>
@@ -865,7 +865,7 @@
           <a:p>
             <a:fld id="{ED3EB55B-5F2F-4CC1-A16F-78A1F8C5C611}" type="datetimeFigureOut">
               <a:rPr lang="en-US" smtClean="0"/>
-              <a:t>5/20/2020</a:t>
+              <a:t>10/27/2020</a:t>
             </a:fld>
             <a:endParaRPr lang="en-US"/>
           </a:p>
@@ -1140,7 +1140,7 @@
           <a:p>
             <a:fld id="{ED3EB55B-5F2F-4CC1-A16F-78A1F8C5C611}" type="datetimeFigureOut">
               <a:rPr lang="en-US" smtClean="0"/>
-              <a:t>5/20/2020</a:t>
+              <a:t>10/27/2020</a:t>
             </a:fld>
             <a:endParaRPr lang="en-US"/>
           </a:p>
@@ -1405,7 +1405,7 @@
           <a:p>
             <a:fld id="{ED3EB55B-5F2F-4CC1-A16F-78A1F8C5C611}" type="datetimeFigureOut">
               <a:rPr lang="en-US" smtClean="0"/>
-              <a:t>5/20/2020</a:t>
+              <a:t>10/27/2020</a:t>
             </a:fld>
             <a:endParaRPr lang="en-US"/>
           </a:p>
@@ -1817,7 +1817,7 @@
           <a:p>
             <a:fld id="{ED3EB55B-5F2F-4CC1-A16F-78A1F8C5C611}" type="datetimeFigureOut">
               <a:rPr lang="en-US" smtClean="0"/>
-              <a:t>5/20/2020</a:t>
+              <a:t>10/27/2020</a:t>
             </a:fld>
             <a:endParaRPr lang="en-US"/>
           </a:p>
@@ -1958,7 +1958,7 @@
           <a:p>
             <a:fld id="{ED3EB55B-5F2F-4CC1-A16F-78A1F8C5C611}" type="datetimeFigureOut">
               <a:rPr lang="en-US" smtClean="0"/>
-              <a:t>5/20/2020</a:t>
+              <a:t>10/27/2020</a:t>
             </a:fld>
             <a:endParaRPr lang="en-US"/>
           </a:p>
@@ -2071,7 +2071,7 @@
           <a:p>
             <a:fld id="{ED3EB55B-5F2F-4CC1-A16F-78A1F8C5C611}" type="datetimeFigureOut">
               <a:rPr lang="en-US" smtClean="0"/>
-              <a:t>5/20/2020</a:t>
+              <a:t>10/27/2020</a:t>
             </a:fld>
             <a:endParaRPr lang="en-US"/>
           </a:p>
@@ -2382,7 +2382,7 @@
           <a:p>
             <a:fld id="{ED3EB55B-5F2F-4CC1-A16F-78A1F8C5C611}" type="datetimeFigureOut">
               <a:rPr lang="en-US" smtClean="0"/>
-              <a:t>5/20/2020</a:t>
+              <a:t>10/27/2020</a:t>
             </a:fld>
             <a:endParaRPr lang="en-US"/>
           </a:p>
@@ -2670,7 +2670,7 @@
           <a:p>
             <a:fld id="{ED3EB55B-5F2F-4CC1-A16F-78A1F8C5C611}" type="datetimeFigureOut">
               <a:rPr lang="en-US" smtClean="0"/>
-              <a:t>5/20/2020</a:t>
+              <a:t>10/27/2020</a:t>
             </a:fld>
             <a:endParaRPr lang="en-US"/>
           </a:p>
@@ -2911,7 +2911,7 @@
           <a:p>
             <a:fld id="{ED3EB55B-5F2F-4CC1-A16F-78A1F8C5C611}" type="datetimeFigureOut">
               <a:rPr lang="en-US" smtClean="0"/>
-              <a:t>5/20/2020</a:t>
+              <a:t>10/27/2020</a:t>
             </a:fld>
             <a:endParaRPr lang="en-US"/>
           </a:p>
@@ -3337,13 +3337,15 @@
               </a:ext>
             </a:extLst>
           </p:cNvPr>
-          <p:cNvCxnSpPr/>
+          <p:cNvCxnSpPr>
+            <a:cxnSpLocks/>
+          </p:cNvCxnSpPr>
           <p:nvPr/>
         </p:nvCxnSpPr>
         <p:spPr>
           <a:xfrm>
             <a:off x="690880" y="2575560"/>
-            <a:ext cx="10850880" cy="0"/>
+            <a:ext cx="8527596" cy="0"/>
           </a:xfrm>
           <a:prstGeom prst="line">
             <a:avLst/>
@@ -3424,10 +3426,10 @@
       </p:sp>
       <p:sp>
         <p:nvSpPr>
-          <p:cNvPr id="6" name="Rectangle: Rounded Corners 5">
-            <a:extLst>
-              <a:ext uri="{FF2B5EF4-FFF2-40B4-BE49-F238E27FC236}">
-                <a16:creationId xmlns:a16="http://schemas.microsoft.com/office/drawing/2014/main" id="{28890D91-E9CE-4495-92CF-23F2A16AE6C0}"/>
+          <p:cNvPr id="8" name="Rectangle: Rounded Corners 7">
+            <a:extLst>
+              <a:ext uri="{FF2B5EF4-FFF2-40B4-BE49-F238E27FC236}">
+                <a16:creationId xmlns:a16="http://schemas.microsoft.com/office/drawing/2014/main" id="{AF2BA7EC-3B0C-4E4B-B98D-9B24B054E723}"/>
               </a:ext>
             </a:extLst>
           </p:cNvPr>
@@ -3436,57 +3438,7 @@
         </p:nvSpPr>
         <p:spPr>
           <a:xfrm>
-            <a:off x="4890101" y="1295021"/>
-            <a:ext cx="1800486" cy="661029"/>
-          </a:xfrm>
-          <a:prstGeom prst="roundRect">
-            <a:avLst/>
-          </a:prstGeom>
-        </p:spPr>
-        <p:style>
-          <a:lnRef idx="2">
-            <a:schemeClr val="accent6">
-              <a:shade val="50000"/>
-            </a:schemeClr>
-          </a:lnRef>
-          <a:fillRef idx="1">
-            <a:schemeClr val="accent6"/>
-          </a:fillRef>
-          <a:effectRef idx="0">
-            <a:schemeClr val="accent6"/>
-          </a:effectRef>
-          <a:fontRef idx="minor">
-            <a:schemeClr val="lt1"/>
-          </a:fontRef>
-        </p:style>
-        <p:txBody>
-          <a:bodyPr rtlCol="0" anchor="ctr"/>
-          <a:lstStyle/>
-          <a:p>
-            <a:pPr algn="ctr"/>
-            <a:r>
-              <a:rPr lang="en-US" sz="1200" dirty="0" err="1"/>
-              <a:t>ITeamFunSettings</a:t>
-            </a:r>
-            <a:endParaRPr lang="en-US" sz="1200" dirty="0"/>
-          </a:p>
-        </p:txBody>
-      </p:sp>
-      <p:sp>
-        <p:nvSpPr>
-          <p:cNvPr id="8" name="Rectangle: Rounded Corners 7">
-            <a:extLst>
-              <a:ext uri="{FF2B5EF4-FFF2-40B4-BE49-F238E27FC236}">
-                <a16:creationId xmlns:a16="http://schemas.microsoft.com/office/drawing/2014/main" id="{AF2BA7EC-3B0C-4E4B-B98D-9B24B054E723}"/>
-              </a:ext>
-            </a:extLst>
-          </p:cNvPr>
-          <p:cNvSpPr/>
-          <p:nvPr/>
-        </p:nvSpPr>
-        <p:spPr>
-          <a:xfrm>
-            <a:off x="9351391" y="1295020"/>
+            <a:off x="7079857" y="1295020"/>
             <a:ext cx="1800486" cy="661029"/>
           </a:xfrm>
           <a:prstGeom prst="roundRect">
@@ -3536,7 +3488,7 @@
         </p:nvSpPr>
         <p:spPr>
           <a:xfrm>
-            <a:off x="7120746" y="1295021"/>
+            <a:off x="4849212" y="1295021"/>
             <a:ext cx="1800486" cy="661029"/>
           </a:xfrm>
           <a:prstGeom prst="roundRect">
@@ -3623,10 +3575,10 @@
       </p:sp>
       <p:sp>
         <p:nvSpPr>
-          <p:cNvPr id="14" name="Rectangle: Rounded Corners 13">
-            <a:extLst>
-              <a:ext uri="{FF2B5EF4-FFF2-40B4-BE49-F238E27FC236}">
-                <a16:creationId xmlns:a16="http://schemas.microsoft.com/office/drawing/2014/main" id="{F381509B-DBF0-4831-9222-22DDADFD16D2}"/>
+          <p:cNvPr id="16" name="Rectangle: Rounded Corners 15">
+            <a:extLst>
+              <a:ext uri="{FF2B5EF4-FFF2-40B4-BE49-F238E27FC236}">
+                <a16:creationId xmlns:a16="http://schemas.microsoft.com/office/drawing/2014/main" id="{EF1AAED8-E537-4030-B3BC-587005B8BD7C}"/>
               </a:ext>
             </a:extLst>
           </p:cNvPr>
@@ -3635,57 +3587,7 @@
         </p:nvSpPr>
         <p:spPr>
           <a:xfrm>
-            <a:off x="4890101" y="3268020"/>
-            <a:ext cx="1800486" cy="661029"/>
-          </a:xfrm>
-          <a:prstGeom prst="roundRect">
-            <a:avLst/>
-          </a:prstGeom>
-        </p:spPr>
-        <p:style>
-          <a:lnRef idx="2">
-            <a:schemeClr val="accent6">
-              <a:shade val="50000"/>
-            </a:schemeClr>
-          </a:lnRef>
-          <a:fillRef idx="1">
-            <a:schemeClr val="accent6"/>
-          </a:fillRef>
-          <a:effectRef idx="0">
-            <a:schemeClr val="accent6"/>
-          </a:effectRef>
-          <a:fontRef idx="minor">
-            <a:schemeClr val="lt1"/>
-          </a:fontRef>
-        </p:style>
-        <p:txBody>
-          <a:bodyPr rtlCol="0" anchor="ctr"/>
-          <a:lstStyle/>
-          <a:p>
-            <a:pPr algn="ctr"/>
-            <a:r>
-              <a:rPr lang="en-US" sz="1200" dirty="0" err="1"/>
-              <a:t>TeamFunSettings</a:t>
-            </a:r>
-            <a:endParaRPr lang="en-US" sz="1200" dirty="0"/>
-          </a:p>
-        </p:txBody>
-      </p:sp>
-      <p:sp>
-        <p:nvSpPr>
-          <p:cNvPr id="16" name="Rectangle: Rounded Corners 15">
-            <a:extLst>
-              <a:ext uri="{FF2B5EF4-FFF2-40B4-BE49-F238E27FC236}">
-                <a16:creationId xmlns:a16="http://schemas.microsoft.com/office/drawing/2014/main" id="{EF1AAED8-E537-4030-B3BC-587005B8BD7C}"/>
-              </a:ext>
-            </a:extLst>
-          </p:cNvPr>
-          <p:cNvSpPr/>
-          <p:nvPr/>
-        </p:nvSpPr>
-        <p:spPr>
-          <a:xfrm>
-            <a:off x="9351391" y="3268019"/>
+            <a:off x="7079857" y="3268019"/>
             <a:ext cx="1800486" cy="661029"/>
           </a:xfrm>
           <a:prstGeom prst="roundRect">
@@ -3735,7 +3637,7 @@
         </p:nvSpPr>
         <p:spPr>
           <a:xfrm>
-            <a:off x="7120746" y="3268020"/>
+            <a:off x="4849212" y="3268020"/>
             <a:ext cx="1800486" cy="661029"/>
           </a:xfrm>
           <a:prstGeom prst="roundRect">
@@ -3819,10 +3721,10 @@
       </p:sp>
       <p:sp>
         <p:nvSpPr>
-          <p:cNvPr id="23" name="Arrow: Up 22">
-            <a:extLst>
-              <a:ext uri="{FF2B5EF4-FFF2-40B4-BE49-F238E27FC236}">
-                <a16:creationId xmlns:a16="http://schemas.microsoft.com/office/drawing/2014/main" id="{230D5DBD-E9AD-4ACD-95D7-0CE335C73E95}"/>
+          <p:cNvPr id="25" name="Arrow: Up 24">
+            <a:extLst>
+              <a:ext uri="{FF2B5EF4-FFF2-40B4-BE49-F238E27FC236}">
+                <a16:creationId xmlns:a16="http://schemas.microsoft.com/office/drawing/2014/main" id="{F7262624-2C82-457B-8620-B2E29FB0AC32}"/>
               </a:ext>
             </a:extLst>
           </p:cNvPr>
@@ -3831,7 +3733,7 @@
         </p:nvSpPr>
         <p:spPr>
           <a:xfrm>
-            <a:off x="5683664" y="2126895"/>
+            <a:off x="5642775" y="2182775"/>
             <a:ext cx="213359" cy="970280"/>
           </a:xfrm>
           <a:prstGeom prst="upArrow">
@@ -3865,10 +3767,10 @@
       </p:sp>
       <p:sp>
         <p:nvSpPr>
-          <p:cNvPr id="25" name="Arrow: Up 24">
-            <a:extLst>
-              <a:ext uri="{FF2B5EF4-FFF2-40B4-BE49-F238E27FC236}">
-                <a16:creationId xmlns:a16="http://schemas.microsoft.com/office/drawing/2014/main" id="{F7262624-2C82-457B-8620-B2E29FB0AC32}"/>
+          <p:cNvPr id="27" name="Arrow: Up 26">
+            <a:extLst>
+              <a:ext uri="{FF2B5EF4-FFF2-40B4-BE49-F238E27FC236}">
+                <a16:creationId xmlns:a16="http://schemas.microsoft.com/office/drawing/2014/main" id="{9DA843F8-8CF7-461A-854F-C8140EA3CEF7}"/>
               </a:ext>
             </a:extLst>
           </p:cNvPr>
@@ -3877,7 +3779,7 @@
         </p:nvSpPr>
         <p:spPr>
           <a:xfrm>
-            <a:off x="7914309" y="2182775"/>
+            <a:off x="7871369" y="2126894"/>
             <a:ext cx="213359" cy="970280"/>
           </a:xfrm>
           <a:prstGeom prst="upArrow">
@@ -3909,52 +3811,6 @@
           </a:p>
         </p:txBody>
       </p:sp>
-      <p:sp>
-        <p:nvSpPr>
-          <p:cNvPr id="27" name="Arrow: Up 26">
-            <a:extLst>
-              <a:ext uri="{FF2B5EF4-FFF2-40B4-BE49-F238E27FC236}">
-                <a16:creationId xmlns:a16="http://schemas.microsoft.com/office/drawing/2014/main" id="{9DA843F8-8CF7-461A-854F-C8140EA3CEF7}"/>
-              </a:ext>
-            </a:extLst>
-          </p:cNvPr>
-          <p:cNvSpPr/>
-          <p:nvPr/>
-        </p:nvSpPr>
-        <p:spPr>
-          <a:xfrm>
-            <a:off x="10142903" y="2126894"/>
-            <a:ext cx="213359" cy="970280"/>
-          </a:xfrm>
-          <a:prstGeom prst="upArrow">
-            <a:avLst/>
-          </a:prstGeom>
-        </p:spPr>
-        <p:style>
-          <a:lnRef idx="2">
-            <a:schemeClr val="accent3">
-              <a:shade val="50000"/>
-            </a:schemeClr>
-          </a:lnRef>
-          <a:fillRef idx="1">
-            <a:schemeClr val="accent3"/>
-          </a:fillRef>
-          <a:effectRef idx="0">
-            <a:schemeClr val="accent3"/>
-          </a:effectRef>
-          <a:fontRef idx="minor">
-            <a:schemeClr val="lt1"/>
-          </a:fontRef>
-        </p:style>
-        <p:txBody>
-          <a:bodyPr rtlCol="0" anchor="ctr"/>
-          <a:lstStyle/>
-          <a:p>
-            <a:pPr algn="ctr"/>
-            <a:endParaRPr lang="en-US"/>
-          </a:p>
-        </p:txBody>
-      </p:sp>
       <p:cxnSp>
         <p:nvCxnSpPr>
           <p:cNvPr id="31" name="Straight Connector 30">
@@ -3972,7 +3828,7 @@
         <p:spPr>
           <a:xfrm>
             <a:off x="690880" y="4434840"/>
-            <a:ext cx="10850880" cy="0"/>
+            <a:ext cx="8515183" cy="0"/>
           </a:xfrm>
           <a:prstGeom prst="line">
             <a:avLst/>
@@ -4185,52 +4041,6 @@
           </a:fontRef>
         </p:style>
       </p:cxnSp>
-      <p:cxnSp>
-        <p:nvCxnSpPr>
-          <p:cNvPr id="43" name="Straight Connector 42">
-            <a:extLst>
-              <a:ext uri="{FF2B5EF4-FFF2-40B4-BE49-F238E27FC236}">
-                <a16:creationId xmlns:a16="http://schemas.microsoft.com/office/drawing/2014/main" id="{132DC986-0BA0-4C72-A4FA-C20D172AA5DF}"/>
-              </a:ext>
-            </a:extLst>
-          </p:cNvPr>
-          <p:cNvCxnSpPr>
-            <a:cxnSpLocks/>
-          </p:cNvCxnSpPr>
-          <p:nvPr/>
-        </p:nvCxnSpPr>
-        <p:spPr>
-          <a:xfrm>
-            <a:off x="11419840" y="1010920"/>
-            <a:ext cx="0" cy="3992880"/>
-          </a:xfrm>
-          <a:prstGeom prst="line">
-            <a:avLst/>
-          </a:prstGeom>
-          <a:ln>
-            <a:solidFill>
-              <a:schemeClr val="bg1">
-                <a:lumMod val="50000"/>
-              </a:schemeClr>
-            </a:solidFill>
-            <a:prstDash val="dash"/>
-          </a:ln>
-        </p:spPr>
-        <p:style>
-          <a:lnRef idx="1">
-            <a:schemeClr val="accent1"/>
-          </a:lnRef>
-          <a:fillRef idx="0">
-            <a:schemeClr val="accent1"/>
-          </a:fillRef>
-          <a:effectRef idx="0">
-            <a:schemeClr val="accent1"/>
-          </a:effectRef>
-          <a:fontRef idx="minor">
-            <a:schemeClr val="tx1"/>
-          </a:fontRef>
-        </p:style>
-      </p:cxnSp>
       <p:sp>
         <p:nvSpPr>
           <p:cNvPr id="44" name="TextBox 43">
@@ -4375,55 +4185,6 @@
       </p:sp>
       <p:cxnSp>
         <p:nvCxnSpPr>
-          <p:cNvPr id="48" name="Connector: Elbow 47">
-            <a:extLst>
-              <a:ext uri="{FF2B5EF4-FFF2-40B4-BE49-F238E27FC236}">
-                <a16:creationId xmlns:a16="http://schemas.microsoft.com/office/drawing/2014/main" id="{5705E286-D030-4C71-832E-9B85604F4F69}"/>
-              </a:ext>
-            </a:extLst>
-          </p:cNvPr>
-          <p:cNvCxnSpPr>
-            <a:stCxn id="12" idx="2"/>
-            <a:endCxn id="14" idx="2"/>
-          </p:cNvCxnSpPr>
-          <p:nvPr/>
-        </p:nvCxnSpPr>
-        <p:spPr>
-          <a:xfrm rot="16200000" flipH="1">
-            <a:off x="4677317" y="2816022"/>
-            <a:ext cx="12700" cy="2226054"/>
-          </a:xfrm>
-          <a:prstGeom prst="bentConnector3">
-            <a:avLst>
-              <a:gd name="adj1" fmla="val 2560000"/>
-            </a:avLst>
-          </a:prstGeom>
-          <a:ln w="57150">
-            <a:solidFill>
-              <a:schemeClr val="bg1">
-                <a:lumMod val="50000"/>
-              </a:schemeClr>
-            </a:solidFill>
-            <a:tailEnd type="triangle"/>
-          </a:ln>
-        </p:spPr>
-        <p:style>
-          <a:lnRef idx="1">
-            <a:schemeClr val="accent1"/>
-          </a:lnRef>
-          <a:fillRef idx="0">
-            <a:schemeClr val="accent1"/>
-          </a:fillRef>
-          <a:effectRef idx="0">
-            <a:schemeClr val="accent1"/>
-          </a:effectRef>
-          <a:fontRef idx="minor">
-            <a:schemeClr val="tx1"/>
-          </a:fontRef>
-        </p:style>
-      </p:cxnSp>
-      <p:cxnSp>
-        <p:nvCxnSpPr>
           <p:cNvPr id="51" name="Connector: Elbow 50">
             <a:extLst>
               <a:ext uri="{FF2B5EF4-FFF2-40B4-BE49-F238E27FC236}">
@@ -4440,12 +4201,12 @@
         </p:nvCxnSpPr>
         <p:spPr>
           <a:xfrm rot="16200000" flipH="1">
-            <a:off x="5792639" y="1700699"/>
-            <a:ext cx="12700" cy="4456699"/>
+            <a:off x="4656872" y="2836466"/>
+            <a:ext cx="12700" cy="2185165"/>
           </a:xfrm>
           <a:prstGeom prst="bentConnector3">
             <a:avLst>
-              <a:gd name="adj1" fmla="val 2560000"/>
+              <a:gd name="adj1" fmla="val 2744819"/>
             </a:avLst>
           </a:prstGeom>
           <a:ln w="57150">
@@ -4490,7 +4251,7 @@
         </p:nvCxnSpPr>
         <p:spPr>
           <a:xfrm>
-            <a:off x="8921232" y="3598535"/>
+            <a:off x="6649698" y="3598535"/>
             <a:ext cx="1330402" cy="330513"/>
           </a:xfrm>
           <a:prstGeom prst="bentConnector4">
@@ -4568,10 +4329,10 @@
       </p:sp>
       <p:sp>
         <p:nvSpPr>
-          <p:cNvPr id="95" name="TextBox 94">
-            <a:extLst>
-              <a:ext uri="{FF2B5EF4-FFF2-40B4-BE49-F238E27FC236}">
-                <a16:creationId xmlns:a16="http://schemas.microsoft.com/office/drawing/2014/main" id="{B717C88B-D5F8-4395-8F3E-66E125BA8AD6}"/>
+          <p:cNvPr id="97" name="TextBox 96">
+            <a:extLst>
+              <a:ext uri="{FF2B5EF4-FFF2-40B4-BE49-F238E27FC236}">
+                <a16:creationId xmlns:a16="http://schemas.microsoft.com/office/drawing/2014/main" id="{58C9F031-B254-48CB-BB81-E917574AF845}"/>
               </a:ext>
             </a:extLst>
           </p:cNvPr>
@@ -4580,50 +4341,7 @@
         </p:nvSpPr>
         <p:spPr>
           <a:xfrm>
-            <a:off x="4931880" y="4509254"/>
-            <a:ext cx="1714175" cy="646331"/>
-          </a:xfrm>
-          <a:prstGeom prst="rect">
-            <a:avLst/>
-          </a:prstGeom>
-          <a:noFill/>
-        </p:spPr>
-        <p:txBody>
-          <a:bodyPr wrap="square" rtlCol="0">
-            <a:spAutoFit/>
-          </a:bodyPr>
-          <a:lstStyle/>
-          <a:p>
-            <a:pPr algn="ctr"/>
-            <a:r>
-              <a:rPr lang="en-US" dirty="0">
-                <a:solidFill>
-                  <a:schemeClr val="tx1">
-                    <a:lumMod val="50000"/>
-                    <a:lumOff val="50000"/>
-                  </a:schemeClr>
-                </a:solidFill>
-              </a:rPr>
-              <a:t>Complex Type class</a:t>
-            </a:r>
-          </a:p>
-        </p:txBody>
-      </p:sp>
-      <p:sp>
-        <p:nvSpPr>
-          <p:cNvPr id="97" name="TextBox 96">
-            <a:extLst>
-              <a:ext uri="{FF2B5EF4-FFF2-40B4-BE49-F238E27FC236}">
-                <a16:creationId xmlns:a16="http://schemas.microsoft.com/office/drawing/2014/main" id="{58C9F031-B254-48CB-BB81-E917574AF845}"/>
-              </a:ext>
-            </a:extLst>
-          </p:cNvPr>
-          <p:cNvSpPr txBox="1"/>
-          <p:nvPr/>
-        </p:nvSpPr>
-        <p:spPr>
-          <a:xfrm>
-            <a:off x="7170251" y="4519414"/>
+            <a:off x="4898717" y="4519414"/>
             <a:ext cx="1714175" cy="646331"/>
           </a:xfrm>
           <a:prstGeom prst="rect">
@@ -4666,7 +4384,7 @@
         </p:nvSpPr>
         <p:spPr>
           <a:xfrm>
-            <a:off x="9436676" y="4468798"/>
+            <a:off x="7165142" y="4468798"/>
             <a:ext cx="1714175" cy="369332"/>
           </a:xfrm>
           <a:prstGeom prst="rect">
